--- a/lectures/4/1_External Secondary Data_Causal Research.pptx
+++ b/lectures/4/1_External Secondary Data_Causal Research.pptx
@@ -5,10 +5,10 @@
     <p:sldMasterId id="2147483648" r:id="rId4"/>
   </p:sldMasterIdLst>
   <p:notesMasterIdLst>
-    <p:notesMasterId r:id="rId40"/>
+    <p:notesMasterId r:id="rId43"/>
   </p:notesMasterIdLst>
   <p:handoutMasterIdLst>
-    <p:handoutMasterId r:id="rId41"/>
+    <p:handoutMasterId r:id="rId44"/>
   </p:handoutMasterIdLst>
   <p:sldIdLst>
     <p:sldId id="293" r:id="rId5"/>
@@ -36,16 +36,19 @@
     <p:sldId id="278" r:id="rId27"/>
     <p:sldId id="292" r:id="rId28"/>
     <p:sldId id="295" r:id="rId29"/>
-    <p:sldId id="288" r:id="rId30"/>
-    <p:sldId id="289" r:id="rId31"/>
-    <p:sldId id="290" r:id="rId32"/>
-    <p:sldId id="294" r:id="rId33"/>
-    <p:sldId id="291" r:id="rId34"/>
-    <p:sldId id="287" r:id="rId35"/>
-    <p:sldId id="286" r:id="rId36"/>
-    <p:sldId id="296" r:id="rId37"/>
-    <p:sldId id="279" r:id="rId38"/>
-    <p:sldId id="280" r:id="rId39"/>
+    <p:sldId id="298" r:id="rId30"/>
+    <p:sldId id="288" r:id="rId31"/>
+    <p:sldId id="289" r:id="rId32"/>
+    <p:sldId id="290" r:id="rId33"/>
+    <p:sldId id="294" r:id="rId34"/>
+    <p:sldId id="291" r:id="rId35"/>
+    <p:sldId id="297" r:id="rId36"/>
+    <p:sldId id="287" r:id="rId37"/>
+    <p:sldId id="286" r:id="rId38"/>
+    <p:sldId id="296" r:id="rId39"/>
+    <p:sldId id="279" r:id="rId40"/>
+    <p:sldId id="299" r:id="rId41"/>
+    <p:sldId id="280" r:id="rId42"/>
   </p:sldIdLst>
   <p:sldSz cx="12192000" cy="6858000"/>
   <p:notesSz cx="6858000" cy="9144000"/>
@@ -17677,7 +17680,7 @@
           <a:p>
             <a:fld id="{73B2889B-A0AC-4482-8592-5C96F2309420}" type="datetimeFigureOut">
               <a:rPr lang="en-US" smtClean="0"/>
-              <a:t>9/11/2021</a:t>
+              <a:t>9/15/2021</a:t>
             </a:fld>
             <a:endParaRPr lang="en-US"/>
           </a:p>
@@ -17854,7 +17857,7 @@
           <a:p>
             <a:fld id="{830EB223-FFC0-462A-A3B8-EAA7CE0F8CBD}" type="datetimeFigureOut">
               <a:rPr lang="en-US" smtClean="0"/>
-              <a:t>9/11/2021</a:t>
+              <a:t>9/15/2021</a:t>
             </a:fld>
             <a:endParaRPr lang="en-US" dirty="0"/>
           </a:p>
@@ -18667,6 +18670,21 @@
           <a:p>
             <a:r>
               <a:rPr lang="en-US" dirty="0"/>
+              <a:t>I hope you guys did read or at least skim this chapter. Because what I am going to talk about is PhD-level knowledge. </a:t>
+            </a:r>
+          </a:p>
+          <a:p>
+            <a:r>
+              <a:rPr lang="en-US" dirty="0"/>
+              <a:t>In social science, when we want to formulate a theory, we only do it in the conceptual world that contain constructs. </a:t>
+            </a:r>
+          </a:p>
+          <a:p>
+            <a:endParaRPr lang="en-US" dirty="0"/>
+          </a:p>
+          <a:p>
+            <a:r>
+              <a:rPr lang="en-US" dirty="0"/>
               <a:t>Construct is “an abstract idea or concept composed of a set of attitudes or behaviors that are thought be related.”</a:t>
             </a:r>
           </a:p>
@@ -18680,6 +18698,32 @@
             <a:r>
               <a:rPr lang="en-US" dirty="0"/>
               <a:t>They are called variables because they can take on different values, that is, they can vary </a:t>
+            </a:r>
+          </a:p>
+          <a:p>
+            <a:endParaRPr lang="en-US" dirty="0"/>
+          </a:p>
+          <a:p>
+            <a:r>
+              <a:rPr lang="en-US" dirty="0"/>
+              <a:t>I know this still seems rather vague; we will go into an example in the next slide</a:t>
+            </a:r>
+          </a:p>
+          <a:p>
+            <a:endParaRPr lang="en-US" dirty="0"/>
+          </a:p>
+          <a:p>
+            <a:r>
+              <a:rPr lang="en-US" dirty="0"/>
+              <a:t>If you can understand the difference between constructs and variables, you already finish a quarter of your </a:t>
+            </a:r>
+            <a:r>
+              <a:rPr lang="en-US" dirty="0" err="1"/>
+              <a:t>phd</a:t>
+            </a:r>
+            <a:r>
+              <a:rPr lang="en-US" dirty="0"/>
+              <a:t>. </a:t>
             </a:r>
           </a:p>
         </p:txBody>
@@ -18993,7 +19037,7 @@
           <a:p>
             <a:fld id="{BC849E9A-41F7-4779-A581-48A7C374A227}" type="slidenum">
               <a:rPr lang="en-US" smtClean="0"/>
-              <a:t>26</a:t>
+              <a:t>27</a:t>
             </a:fld>
             <a:endParaRPr lang="en-US" dirty="0"/>
           </a:p>
@@ -19232,7 +19276,7 @@
           <a:p>
             <a:fld id="{BC849E9A-41F7-4779-A581-48A7C374A227}" type="slidenum">
               <a:rPr lang="en-US" smtClean="0"/>
-              <a:t>27</a:t>
+              <a:t>28</a:t>
             </a:fld>
             <a:endParaRPr lang="en-US" dirty="0"/>
           </a:p>
@@ -19385,7 +19429,7 @@
           <a:p>
             <a:fld id="{BC849E9A-41F7-4779-A581-48A7C374A227}" type="slidenum">
               <a:rPr lang="en-US" smtClean="0"/>
-              <a:t>29</a:t>
+              <a:t>30</a:t>
             </a:fld>
             <a:endParaRPr lang="en-US" dirty="0"/>
           </a:p>
@@ -19450,17 +19494,11 @@
           <a:p>
             <a:r>
               <a:rPr lang="en-US" dirty="0"/>
-              <a:t>Go over 2 research question </a:t>
+              <a:t>We will learn more about this in chapters 17 and 18 </a:t>
             </a:r>
           </a:p>
           <a:p>
             <a:endParaRPr lang="en-US" dirty="0"/>
-          </a:p>
-          <a:p>
-            <a:r>
-              <a:rPr lang="en-US" dirty="0"/>
-              <a:t>Depends on time, might continue or cut it down</a:t>
-            </a:r>
           </a:p>
         </p:txBody>
       </p:sp>
@@ -19481,7 +19519,7 @@
           <a:p>
             <a:fld id="{BC849E9A-41F7-4779-A581-48A7C374A227}" type="slidenum">
               <a:rPr lang="en-US" smtClean="0"/>
-              <a:t>31</a:t>
+              <a:t>32</a:t>
             </a:fld>
             <a:endParaRPr lang="en-US" dirty="0"/>
           </a:p>
@@ -19490,7 +19528,7 @@
     </p:spTree>
     <p:extLst>
       <p:ext uri="{BB962C8B-B14F-4D97-AF65-F5344CB8AC3E}">
-        <p14:creationId xmlns:p14="http://schemas.microsoft.com/office/powerpoint/2010/main" val="408315017"/>
+        <p14:creationId xmlns:p14="http://schemas.microsoft.com/office/powerpoint/2010/main" val="1927850737"/>
       </p:ext>
     </p:extLst>
   </p:cSld>
@@ -19633,7 +19671,16 @@
           <a:p>
             <a:r>
               <a:rPr lang="en-US" dirty="0"/>
-              <a:t>Might be 10 mins</a:t>
+              <a:t>Go over 2 research question </a:t>
+            </a:r>
+          </a:p>
+          <a:p>
+            <a:endParaRPr lang="en-US" dirty="0"/>
+          </a:p>
+          <a:p>
+            <a:r>
+              <a:rPr lang="en-US" dirty="0"/>
+              <a:t>Depends on time, might continue or cut it down</a:t>
             </a:r>
           </a:p>
         </p:txBody>
@@ -19655,7 +19702,7 @@
           <a:p>
             <a:fld id="{BC849E9A-41F7-4779-A581-48A7C374A227}" type="slidenum">
               <a:rPr lang="en-US" smtClean="0"/>
-              <a:t>32</a:t>
+              <a:t>33</a:t>
             </a:fld>
             <a:endParaRPr lang="en-US" dirty="0"/>
           </a:p>
@@ -19664,7 +19711,7 @@
     </p:spTree>
     <p:extLst>
       <p:ext uri="{BB962C8B-B14F-4D97-AF65-F5344CB8AC3E}">
-        <p14:creationId xmlns:p14="http://schemas.microsoft.com/office/powerpoint/2010/main" val="2509987518"/>
+        <p14:creationId xmlns:p14="http://schemas.microsoft.com/office/powerpoint/2010/main" val="408315017"/>
       </p:ext>
     </p:extLst>
   </p:cSld>
@@ -19720,7 +19767,7 @@
           <a:p>
             <a:r>
               <a:rPr lang="en-US" dirty="0"/>
-              <a:t>Need to be consistent. You can’t target new customers, then all your questions are for existing customers. This inconsistency will cost you points. </a:t>
+              <a:t>Might be 10 mins</a:t>
             </a:r>
           </a:p>
         </p:txBody>
@@ -19742,7 +19789,7 @@
           <a:p>
             <a:fld id="{BC849E9A-41F7-4779-A581-48A7C374A227}" type="slidenum">
               <a:rPr lang="en-US" smtClean="0"/>
-              <a:t>33</a:t>
+              <a:t>34</a:t>
             </a:fld>
             <a:endParaRPr lang="en-US" dirty="0"/>
           </a:p>
@@ -19751,7 +19798,7 @@
     </p:spTree>
     <p:extLst>
       <p:ext uri="{BB962C8B-B14F-4D97-AF65-F5344CB8AC3E}">
-        <p14:creationId xmlns:p14="http://schemas.microsoft.com/office/powerpoint/2010/main" val="3055174087"/>
+        <p14:creationId xmlns:p14="http://schemas.microsoft.com/office/powerpoint/2010/main" val="2509987518"/>
       </p:ext>
     </p:extLst>
   </p:cSld>
@@ -19807,7 +19854,7 @@
           <a:p>
             <a:r>
               <a:rPr lang="en-US" dirty="0"/>
-              <a:t>https://bookdown.org/mike/marketing_research/empirical-models.html#sales-funnel</a:t>
+              <a:t>Need to be consistent. You can’t target new customers, then all your questions are for existing customers. This inconsistency will cost you points. </a:t>
             </a:r>
           </a:p>
         </p:txBody>
@@ -19830,6 +19877,93 @@
             <a:fld id="{BC849E9A-41F7-4779-A581-48A7C374A227}" type="slidenum">
               <a:rPr lang="en-US" smtClean="0"/>
               <a:t>35</a:t>
+            </a:fld>
+            <a:endParaRPr lang="en-US" dirty="0"/>
+          </a:p>
+        </p:txBody>
+      </p:sp>
+    </p:spTree>
+    <p:extLst>
+      <p:ext uri="{BB962C8B-B14F-4D97-AF65-F5344CB8AC3E}">
+        <p14:creationId xmlns:p14="http://schemas.microsoft.com/office/powerpoint/2010/main" val="3055174087"/>
+      </p:ext>
+    </p:extLst>
+  </p:cSld>
+  <p:clrMapOvr>
+    <a:masterClrMapping/>
+  </p:clrMapOvr>
+</p:notes>
+</file>
+
+<file path=ppt/notesSlides/notesSlide23.xml><?xml version="1.0" encoding="utf-8"?>
+<p:notes xmlns:a="http://schemas.openxmlformats.org/drawingml/2006/main" xmlns:r="http://schemas.openxmlformats.org/officeDocument/2006/relationships" xmlns:p="http://schemas.openxmlformats.org/presentationml/2006/main">
+  <p:cSld>
+    <p:spTree>
+      <p:nvGrpSpPr>
+        <p:cNvPr id="1" name=""/>
+        <p:cNvGrpSpPr/>
+        <p:nvPr/>
+      </p:nvGrpSpPr>
+      <p:grpSpPr>
+        <a:xfrm>
+          <a:off x="0" y="0"/>
+          <a:ext cx="0" cy="0"/>
+          <a:chOff x="0" y="0"/>
+          <a:chExt cx="0" cy="0"/>
+        </a:xfrm>
+      </p:grpSpPr>
+      <p:sp>
+        <p:nvSpPr>
+          <p:cNvPr id="2" name="Slide Image Placeholder 1"/>
+          <p:cNvSpPr>
+            <a:spLocks noGrp="1" noRot="1" noChangeAspect="1"/>
+          </p:cNvSpPr>
+          <p:nvPr>
+            <p:ph type="sldImg"/>
+          </p:nvPr>
+        </p:nvSpPr>
+        <p:spPr/>
+      </p:sp>
+      <p:sp>
+        <p:nvSpPr>
+          <p:cNvPr id="3" name="Notes Placeholder 2"/>
+          <p:cNvSpPr>
+            <a:spLocks noGrp="1"/>
+          </p:cNvSpPr>
+          <p:nvPr>
+            <p:ph type="body" idx="1"/>
+          </p:nvPr>
+        </p:nvSpPr>
+        <p:spPr/>
+        <p:txBody>
+          <a:bodyPr/>
+          <a:lstStyle/>
+          <a:p>
+            <a:r>
+              <a:rPr lang="en-US" dirty="0"/>
+              <a:t>https://bookdown.org/mike/marketing_research/empirical-models.html#sales-funnel</a:t>
+            </a:r>
+          </a:p>
+        </p:txBody>
+      </p:sp>
+      <p:sp>
+        <p:nvSpPr>
+          <p:cNvPr id="4" name="Slide Number Placeholder 3"/>
+          <p:cNvSpPr>
+            <a:spLocks noGrp="1"/>
+          </p:cNvSpPr>
+          <p:nvPr>
+            <p:ph type="sldNum" sz="quarter" idx="5"/>
+          </p:nvPr>
+        </p:nvSpPr>
+        <p:spPr/>
+        <p:txBody>
+          <a:bodyPr/>
+          <a:lstStyle/>
+          <a:p>
+            <a:fld id="{BC849E9A-41F7-4779-A581-48A7C374A227}" type="slidenum">
+              <a:rPr lang="en-US" smtClean="0"/>
+              <a:t>38</a:t>
             </a:fld>
             <a:endParaRPr lang="en-US" dirty="0"/>
           </a:p>
@@ -19925,19 +20059,19 @@
             </a:r>
           </a:p>
           <a:p>
-            <a:pPr marL="228600" indent="-228600">
-              <a:buAutoNum type="arabicPeriod"/>
+            <a:pPr marL="0" indent="0">
+              <a:buNone/>
+            </a:pPr>
+            <a:endParaRPr lang="en-US" dirty="0"/>
+          </a:p>
+          <a:p>
+            <a:pPr marL="0" indent="0">
+              <a:buNone/>
             </a:pPr>
             <a:r>
               <a:rPr lang="en-US" dirty="0"/>
-              <a:t> </a:t>
+              <a:t>5 and  do not need to be in that order. And you can always revise and improve your search process.</a:t>
             </a:r>
-          </a:p>
-          <a:p>
-            <a:pPr marL="228600" indent="-228600">
-              <a:buAutoNum type="arabicPeriod"/>
-            </a:pPr>
-            <a:endParaRPr lang="en-US" dirty="0"/>
           </a:p>
           <a:p>
             <a:pPr marL="228600" indent="-228600">
@@ -20029,7 +20163,7 @@
           <a:p>
             <a:r>
               <a:rPr lang="en-US" dirty="0"/>
-              <a:t>The data are standardized so that they can be used by multiple companies rather than customized for  a specific company </a:t>
+              <a:t>Standardized marketing information are data that are standardized so that they can be used by multiple companies rather than customized for  a specific company </a:t>
             </a:r>
           </a:p>
         </p:txBody>
@@ -20114,6 +20248,32 @@
           <a:bodyPr/>
           <a:lstStyle/>
           <a:p>
+            <a:pPr marL="0" marR="0" lvl="0" indent="0" algn="l" defTabSz="914400" rtl="0" eaLnBrk="1" fontAlgn="auto" latinLnBrk="0" hangingPunct="1">
+              <a:lnSpc>
+                <a:spcPct val="100000"/>
+              </a:lnSpc>
+              <a:spcBef>
+                <a:spcPts val="0"/>
+              </a:spcBef>
+              <a:spcAft>
+                <a:spcPts val="0"/>
+              </a:spcAft>
+              <a:buClrTx/>
+              <a:buSzTx/>
+              <a:buFontTx/>
+              <a:buNone/>
+              <a:tabLst/>
+              <a:defRPr/>
+            </a:pPr>
+            <a:r>
+              <a:rPr lang="en-US" dirty="0"/>
+              <a:t>After having data, we can have some visualization </a:t>
+            </a:r>
+          </a:p>
+          <a:p>
+            <a:endParaRPr lang="en-US" dirty="0"/>
+          </a:p>
+          <a:p>
             <a:r>
               <a:rPr lang="en-US" dirty="0"/>
               <a:t>Go to https://bookdown.org/mike/marketing_research/empirical-models.html#geodemographic-classification</a:t>
@@ -20121,12 +20281,6 @@
           </a:p>
           <a:p>
             <a:endParaRPr lang="en-US" dirty="0"/>
-          </a:p>
-          <a:p>
-            <a:r>
-              <a:rPr lang="en-US" dirty="0"/>
-              <a:t>After having data, we can have some visualization </a:t>
-            </a:r>
           </a:p>
           <a:p>
             <a:endParaRPr lang="en-US" dirty="0"/>
@@ -20670,7 +20824,7 @@
           <a:p>
             <a:fld id="{C3E42B97-32D9-4793-897A-9BC66F7EB753}" type="datetime1">
               <a:rPr lang="en-US" smtClean="0"/>
-              <a:t>9/11/2021</a:t>
+              <a:t>9/15/2021</a:t>
             </a:fld>
             <a:endParaRPr lang="en-US" dirty="0"/>
           </a:p>
@@ -20872,7 +21026,7 @@
           <a:p>
             <a:fld id="{9817AB96-7354-4F00-8428-CBC1E27BFA74}" type="datetime1">
               <a:rPr lang="en-US" smtClean="0"/>
-              <a:t>9/11/2021</a:t>
+              <a:t>9/15/2021</a:t>
             </a:fld>
             <a:endParaRPr lang="en-US" dirty="0"/>
           </a:p>
@@ -21084,7 +21238,7 @@
           <a:p>
             <a:fld id="{CBCFE11F-0634-4716-B448-438B60059361}" type="datetime1">
               <a:rPr lang="en-US" smtClean="0"/>
-              <a:t>9/11/2021</a:t>
+              <a:t>9/15/2021</a:t>
             </a:fld>
             <a:endParaRPr lang="en-US" dirty="0"/>
           </a:p>
@@ -21286,7 +21440,7 @@
           <a:p>
             <a:fld id="{967285CB-6C42-4833-BB47-ABCB18A3AC73}" type="datetime1">
               <a:rPr lang="en-US" smtClean="0"/>
-              <a:t>9/11/2021</a:t>
+              <a:t>9/15/2021</a:t>
             </a:fld>
             <a:endParaRPr lang="en-US" dirty="0"/>
           </a:p>
@@ -21565,7 +21719,7 @@
           <a:p>
             <a:fld id="{79284254-E52E-46F1-A775-032947BE31CE}" type="datetime1">
               <a:rPr lang="en-US" smtClean="0"/>
-              <a:t>9/11/2021</a:t>
+              <a:t>9/15/2021</a:t>
             </a:fld>
             <a:endParaRPr lang="en-US" dirty="0"/>
           </a:p>
@@ -21834,7 +21988,7 @@
           <a:p>
             <a:fld id="{DD74BABA-F978-4483-ABA8-934D8791C851}" type="datetime1">
               <a:rPr lang="en-US" smtClean="0"/>
-              <a:t>9/11/2021</a:t>
+              <a:t>9/15/2021</a:t>
             </a:fld>
             <a:endParaRPr lang="en-US" dirty="0"/>
           </a:p>
@@ -22250,7 +22404,7 @@
           <a:p>
             <a:fld id="{0E94DB0D-00D3-45D2-A2DE-62396F1D73BF}" type="datetime1">
               <a:rPr lang="en-US" smtClean="0"/>
-              <a:t>9/11/2021</a:t>
+              <a:t>9/15/2021</a:t>
             </a:fld>
             <a:endParaRPr lang="en-US" dirty="0"/>
           </a:p>
@@ -22395,7 +22549,7 @@
           <a:p>
             <a:fld id="{53883F22-8FF9-4ABE-A942-CEB1742E73C6}" type="datetime1">
               <a:rPr lang="en-US" smtClean="0"/>
-              <a:t>9/11/2021</a:t>
+              <a:t>9/15/2021</a:t>
             </a:fld>
             <a:endParaRPr lang="en-US" dirty="0"/>
           </a:p>
@@ -22512,7 +22666,7 @@
           <a:p>
             <a:fld id="{49D8025B-3FFE-4303-8D40-4CE8398E2D95}" type="datetime1">
               <a:rPr lang="en-US" smtClean="0"/>
-              <a:t>9/11/2021</a:t>
+              <a:t>9/15/2021</a:t>
             </a:fld>
             <a:endParaRPr lang="en-US" dirty="0"/>
           </a:p>
@@ -22827,7 +22981,7 @@
           <a:p>
             <a:fld id="{B3F4ED31-5ACB-4E86-9B7D-EF3BB65C4CFC}" type="datetime1">
               <a:rPr lang="en-US" smtClean="0"/>
-              <a:t>9/11/2021</a:t>
+              <a:t>9/15/2021</a:t>
             </a:fld>
             <a:endParaRPr lang="en-US" dirty="0"/>
           </a:p>
@@ -23123,7 +23277,7 @@
           <a:p>
             <a:fld id="{4C117DD1-8C6E-4C28-93E9-E016B1CA4BB5}" type="datetime1">
               <a:rPr lang="en-US" smtClean="0"/>
-              <a:t>9/11/2021</a:t>
+              <a:t>9/15/2021</a:t>
             </a:fld>
             <a:endParaRPr lang="en-US" dirty="0"/>
           </a:p>
@@ -23368,7 +23522,7 @@
           <a:p>
             <a:fld id="{C44B3266-E6ED-4411-AB6D-EF0A43ECE452}" type="datetime1">
               <a:rPr lang="en-US" smtClean="0"/>
-              <a:t>9/11/2021</a:t>
+              <a:t>9/15/2021</a:t>
             </a:fld>
             <a:endParaRPr lang="en-US" dirty="0"/>
           </a:p>
@@ -33600,7 +33754,7 @@
         </p:nvSpPr>
         <p:spPr>
           <a:xfrm>
-            <a:off x="2309446" y="1946031"/>
+            <a:off x="1540519" y="2039841"/>
             <a:ext cx="2121877" cy="1078523"/>
           </a:xfrm>
           <a:prstGeom prst="ellipse">
@@ -33647,7 +33801,7 @@
         </p:nvSpPr>
         <p:spPr>
           <a:xfrm>
-            <a:off x="7268308" y="1946030"/>
+            <a:off x="6499381" y="2039840"/>
             <a:ext cx="2121877" cy="1078523"/>
           </a:xfrm>
           <a:prstGeom prst="ellipse">
@@ -33694,7 +33848,7 @@
         </p:nvSpPr>
         <p:spPr>
           <a:xfrm>
-            <a:off x="2309446" y="4407877"/>
+            <a:off x="1540519" y="4501687"/>
             <a:ext cx="2121877" cy="1078523"/>
           </a:xfrm>
           <a:prstGeom prst="rect">
@@ -33741,7 +33895,7 @@
         </p:nvSpPr>
         <p:spPr>
           <a:xfrm>
-            <a:off x="7268308" y="4407877"/>
+            <a:off x="6499381" y="4501687"/>
             <a:ext cx="2121877" cy="1078523"/>
           </a:xfrm>
           <a:prstGeom prst="rect">
@@ -33791,7 +33945,7 @@
         </p:nvCxnSpPr>
         <p:spPr>
           <a:xfrm flipV="1">
-            <a:off x="4431323" y="2485291"/>
+            <a:off x="3662396" y="2579101"/>
             <a:ext cx="2836985" cy="2"/>
           </a:xfrm>
           <a:prstGeom prst="straightConnector1">
@@ -33833,7 +33987,7 @@
         </p:nvCxnSpPr>
         <p:spPr>
           <a:xfrm>
-            <a:off x="3370385" y="3024554"/>
+            <a:off x="2601458" y="3118364"/>
             <a:ext cx="0" cy="1383323"/>
           </a:xfrm>
           <a:prstGeom prst="straightConnector1">
@@ -33875,7 +34029,7 @@
         </p:nvCxnSpPr>
         <p:spPr>
           <a:xfrm>
-            <a:off x="8329247" y="3024553"/>
+            <a:off x="7560320" y="3118363"/>
             <a:ext cx="0" cy="1383324"/>
           </a:xfrm>
           <a:prstGeom prst="straightConnector1">
@@ -33917,7 +34071,7 @@
         </p:nvCxnSpPr>
         <p:spPr>
           <a:xfrm>
-            <a:off x="4431323" y="4947139"/>
+            <a:off x="3662396" y="5040949"/>
             <a:ext cx="2836985" cy="0"/>
           </a:xfrm>
           <a:prstGeom prst="straightConnector1">
@@ -33956,7 +34110,7 @@
         </p:nvSpPr>
         <p:spPr>
           <a:xfrm>
-            <a:off x="1301262" y="4103076"/>
+            <a:off x="532335" y="4196886"/>
             <a:ext cx="9108831" cy="2159464"/>
           </a:xfrm>
           <a:prstGeom prst="rect">
@@ -34001,7 +34155,7 @@
         </p:nvSpPr>
         <p:spPr>
           <a:xfrm>
-            <a:off x="4923692" y="5486400"/>
+            <a:off x="4154765" y="5580210"/>
             <a:ext cx="1828800" cy="369332"/>
           </a:xfrm>
           <a:prstGeom prst="rect">
@@ -34036,7 +34190,7 @@
         </p:nvSpPr>
         <p:spPr>
           <a:xfrm>
-            <a:off x="1301262" y="1455019"/>
+            <a:off x="532335" y="1548829"/>
             <a:ext cx="9108831" cy="2159464"/>
           </a:xfrm>
           <a:prstGeom prst="ellipse">
@@ -34081,7 +34235,7 @@
         </p:nvSpPr>
         <p:spPr>
           <a:xfrm>
-            <a:off x="4152900" y="1626157"/>
+            <a:off x="3383973" y="1719967"/>
             <a:ext cx="3393832" cy="369332"/>
           </a:xfrm>
           <a:prstGeom prst="rect">
@@ -34098,6 +34252,76 @@
             <a:r>
               <a:rPr lang="en-US" dirty="0"/>
               <a:t>Conceptual/Theoretical Domain</a:t>
+            </a:r>
+          </a:p>
+        </p:txBody>
+      </p:sp>
+      <p:sp>
+        <p:nvSpPr>
+          <p:cNvPr id="3" name="TextBox 2">
+            <a:extLst>
+              <a:ext uri="{FF2B5EF4-FFF2-40B4-BE49-F238E27FC236}">
+                <a16:creationId xmlns:a16="http://schemas.microsoft.com/office/drawing/2014/main" id="{3DA878BC-6445-41CB-A762-28C6CD52821C}"/>
+              </a:ext>
+            </a:extLst>
+          </p:cNvPr>
+          <p:cNvSpPr txBox="1"/>
+          <p:nvPr/>
+        </p:nvSpPr>
+        <p:spPr>
+          <a:xfrm>
+            <a:off x="10059332" y="1545329"/>
+            <a:ext cx="1843454" cy="2308324"/>
+          </a:xfrm>
+          <a:prstGeom prst="rect">
+            <a:avLst/>
+          </a:prstGeom>
+          <a:noFill/>
+        </p:spPr>
+        <p:txBody>
+          <a:bodyPr wrap="square" rtlCol="0">
+            <a:spAutoFit/>
+          </a:bodyPr>
+          <a:lstStyle/>
+          <a:p>
+            <a:r>
+              <a:rPr lang="en-US" dirty="0"/>
+              <a:t>Construct is “an abstract idea or concept composed of a set of attitudes or behaviors that are thought be related.”</a:t>
+            </a:r>
+          </a:p>
+        </p:txBody>
+      </p:sp>
+      <p:sp>
+        <p:nvSpPr>
+          <p:cNvPr id="22" name="TextBox 21">
+            <a:extLst>
+              <a:ext uri="{FF2B5EF4-FFF2-40B4-BE49-F238E27FC236}">
+                <a16:creationId xmlns:a16="http://schemas.microsoft.com/office/drawing/2014/main" id="{5001078B-752C-45C2-A6F0-AFE574475684}"/>
+              </a:ext>
+            </a:extLst>
+          </p:cNvPr>
+          <p:cNvSpPr txBox="1"/>
+          <p:nvPr/>
+        </p:nvSpPr>
+        <p:spPr>
+          <a:xfrm>
+            <a:off x="10059332" y="4302284"/>
+            <a:ext cx="1843454" cy="1477328"/>
+          </a:xfrm>
+          <a:prstGeom prst="rect">
+            <a:avLst/>
+          </a:prstGeom>
+          <a:noFill/>
+        </p:spPr>
+        <p:txBody>
+          <a:bodyPr wrap="square" rtlCol="0">
+            <a:spAutoFit/>
+          </a:bodyPr>
+          <a:lstStyle/>
+          <a:p>
+            <a:r>
+              <a:rPr lang="en-US" dirty="0"/>
+              <a:t>Variables are ”elements of a construct that can be measured or quantified” </a:t>
             </a:r>
           </a:p>
         </p:txBody>
@@ -34602,6 +34826,260 @@
 </file>
 
 <file path=ppt/slides/slide26.xml><?xml version="1.0" encoding="utf-8"?>
+<p:sld xmlns:a="http://schemas.openxmlformats.org/drawingml/2006/main" xmlns:r="http://schemas.openxmlformats.org/officeDocument/2006/relationships" xmlns:p="http://schemas.openxmlformats.org/presentationml/2006/main">
+  <p:cSld>
+    <p:bg>
+      <p:bgPr>
+        <a:solidFill>
+          <a:schemeClr val="bg1"/>
+        </a:solidFill>
+        <a:effectLst/>
+      </p:bgPr>
+    </p:bg>
+    <p:spTree>
+      <p:nvGrpSpPr>
+        <p:cNvPr id="1" name=""/>
+        <p:cNvGrpSpPr/>
+        <p:nvPr/>
+      </p:nvGrpSpPr>
+      <p:grpSpPr>
+        <a:xfrm>
+          <a:off x="0" y="0"/>
+          <a:ext cx="0" cy="0"/>
+          <a:chOff x="0" y="0"/>
+          <a:chExt cx="0" cy="0"/>
+        </a:xfrm>
+      </p:grpSpPr>
+      <p:sp>
+        <p:nvSpPr>
+          <p:cNvPr id="2" name="Title 1">
+            <a:extLst>
+              <a:ext uri="{FF2B5EF4-FFF2-40B4-BE49-F238E27FC236}">
+                <a16:creationId xmlns:a16="http://schemas.microsoft.com/office/drawing/2014/main" id="{8C1832CB-E531-4BF4-BA70-A1F6C0361DD4}"/>
+              </a:ext>
+            </a:extLst>
+          </p:cNvPr>
+          <p:cNvSpPr>
+            <a:spLocks noGrp="1"/>
+          </p:cNvSpPr>
+          <p:nvPr>
+            <p:ph type="title"/>
+          </p:nvPr>
+        </p:nvSpPr>
+        <p:spPr>
+          <a:xfrm>
+            <a:off x="4965430" y="629268"/>
+            <a:ext cx="6586491" cy="1286160"/>
+          </a:xfrm>
+        </p:spPr>
+        <p:txBody>
+          <a:bodyPr anchor="b">
+            <a:normAutofit/>
+          </a:bodyPr>
+          <a:lstStyle/>
+          <a:p>
+            <a:r>
+              <a:rPr lang="en-US" dirty="0"/>
+              <a:t>iClicker Question</a:t>
+            </a:r>
+          </a:p>
+        </p:txBody>
+      </p:sp>
+      <p:sp>
+        <p:nvSpPr>
+          <p:cNvPr id="3" name="Content Placeholder 2">
+            <a:extLst>
+              <a:ext uri="{FF2B5EF4-FFF2-40B4-BE49-F238E27FC236}">
+                <a16:creationId xmlns:a16="http://schemas.microsoft.com/office/drawing/2014/main" id="{7CAA73F6-851F-47DD-B63D-0444362974AD}"/>
+              </a:ext>
+            </a:extLst>
+          </p:cNvPr>
+          <p:cNvSpPr>
+            <a:spLocks noGrp="1"/>
+          </p:cNvSpPr>
+          <p:nvPr>
+            <p:ph idx="1"/>
+          </p:nvPr>
+        </p:nvSpPr>
+        <p:spPr>
+          <a:xfrm>
+            <a:off x="4965431" y="2438400"/>
+            <a:ext cx="6586489" cy="3785419"/>
+          </a:xfrm>
+        </p:spPr>
+        <p:txBody>
+          <a:bodyPr>
+            <a:normAutofit/>
+          </a:bodyPr>
+          <a:lstStyle/>
+          <a:p>
+            <a:pPr marL="514350" indent="-514350">
+              <a:buFont typeface="+mj-lt"/>
+              <a:buAutoNum type="alphaUcPeriod"/>
+            </a:pPr>
+            <a:r>
+              <a:rPr lang="en-US" sz="2000"/>
+              <a:t>I think you should give the general conceptualization first, then the example</a:t>
+            </a:r>
+          </a:p>
+          <a:p>
+            <a:pPr marL="514350" indent="-514350">
+              <a:buFont typeface="+mj-lt"/>
+              <a:buAutoNum type="alphaUcPeriod"/>
+            </a:pPr>
+            <a:r>
+              <a:rPr lang="en-US" sz="2000"/>
+              <a:t>I think you should give the example first, then the generalization</a:t>
+            </a:r>
+          </a:p>
+          <a:p>
+            <a:pPr marL="514350" indent="-514350">
+              <a:buFont typeface="+mj-lt"/>
+              <a:buAutoNum type="alphaUcPeriod"/>
+            </a:pPr>
+            <a:r>
+              <a:rPr lang="en-US" sz="2000"/>
+              <a:t>I have no ideas what you just talk about</a:t>
+            </a:r>
+          </a:p>
+        </p:txBody>
+      </p:sp>
+      <p:pic>
+        <p:nvPicPr>
+          <p:cNvPr id="12" name="Picture 5" descr="Many question marks on black background">
+            <a:extLst>
+              <a:ext uri="{FF2B5EF4-FFF2-40B4-BE49-F238E27FC236}">
+                <a16:creationId xmlns:a16="http://schemas.microsoft.com/office/drawing/2014/main" id="{2B256A22-5FE4-4CCE-816E-BBEB3696CD88}"/>
+              </a:ext>
+            </a:extLst>
+          </p:cNvPr>
+          <p:cNvPicPr>
+            <a:picLocks noChangeAspect="1"/>
+          </p:cNvPicPr>
+          <p:nvPr/>
+        </p:nvPicPr>
+        <p:blipFill rotWithShape="1">
+          <a:blip r:embed="rId2"/>
+          <a:srcRect l="58767" r="2" b="2"/>
+          <a:stretch/>
+        </p:blipFill>
+        <p:spPr>
+          <a:xfrm>
+            <a:off x="20" y="10"/>
+            <a:ext cx="4635571" cy="6857990"/>
+          </a:xfrm>
+          <a:prstGeom prst="rect">
+            <a:avLst/>
+          </a:prstGeom>
+          <a:effectLst/>
+        </p:spPr>
+      </p:pic>
+      <p:cxnSp>
+        <p:nvCxnSpPr>
+          <p:cNvPr id="13" name="Straight Connector 9">
+            <a:extLst>
+              <a:ext uri="{FF2B5EF4-FFF2-40B4-BE49-F238E27FC236}">
+                <a16:creationId xmlns:a16="http://schemas.microsoft.com/office/drawing/2014/main" id="{A7F400EE-A8A5-48AF-B4D6-291B52C6F0B0}"/>
+              </a:ext>
+              <a:ext uri="{C183D7F6-B498-43B3-948B-1728B52AA6E4}">
+                <adec:decorative xmlns:adec="http://schemas.microsoft.com/office/drawing/2017/decorative" val="1"/>
+              </a:ext>
+            </a:extLst>
+          </p:cNvPr>
+          <p:cNvCxnSpPr>
+            <a:cxnSpLocks noGrp="1" noRot="1" noChangeAspect="1" noMove="1" noResize="1" noEditPoints="1" noAdjustHandles="1" noChangeArrowheads="1" noChangeShapeType="1"/>
+          </p:cNvCxnSpPr>
+          <p:nvPr>
+            <p:extLst>
+              <p:ext uri="{386F3935-93C4-4BCD-93E2-E3B085C9AB24}">
+                <p16:designElem xmlns:p16="http://schemas.microsoft.com/office/powerpoint/2015/main" val="1"/>
+              </p:ext>
+            </p:extLst>
+          </p:nvPr>
+        </p:nvCxnSpPr>
+        <p:spPr>
+          <a:xfrm>
+            <a:off x="5080934" y="2115117"/>
+            <a:ext cx="6309360" cy="0"/>
+          </a:xfrm>
+          <a:prstGeom prst="line">
+            <a:avLst/>
+          </a:prstGeom>
+          <a:ln w="19050">
+            <a:solidFill>
+              <a:schemeClr val="accent1"/>
+            </a:solidFill>
+          </a:ln>
+        </p:spPr>
+        <p:style>
+          <a:lnRef idx="1">
+            <a:schemeClr val="accent1"/>
+          </a:lnRef>
+          <a:fillRef idx="0">
+            <a:schemeClr val="accent1"/>
+          </a:fillRef>
+          <a:effectRef idx="0">
+            <a:schemeClr val="accent1"/>
+          </a:effectRef>
+          <a:fontRef idx="minor">
+            <a:schemeClr val="tx1"/>
+          </a:fontRef>
+        </p:style>
+      </p:cxnSp>
+      <p:sp>
+        <p:nvSpPr>
+          <p:cNvPr id="4" name="Footer Placeholder 3">
+            <a:extLst>
+              <a:ext uri="{FF2B5EF4-FFF2-40B4-BE49-F238E27FC236}">
+                <a16:creationId xmlns:a16="http://schemas.microsoft.com/office/drawing/2014/main" id="{C43B4A7E-2FD7-4F5B-B03F-0FAF4214E701}"/>
+              </a:ext>
+            </a:extLst>
+          </p:cNvPr>
+          <p:cNvSpPr>
+            <a:spLocks noGrp="1"/>
+          </p:cNvSpPr>
+          <p:nvPr>
+            <p:ph type="ftr" sz="quarter" idx="11"/>
+          </p:nvPr>
+        </p:nvSpPr>
+        <p:spPr>
+          <a:xfrm>
+            <a:off x="4965430" y="6356350"/>
+            <a:ext cx="4139134" cy="365125"/>
+          </a:xfrm>
+        </p:spPr>
+        <p:txBody>
+          <a:bodyPr>
+            <a:normAutofit/>
+          </a:bodyPr>
+          <a:lstStyle/>
+          <a:p>
+            <a:pPr algn="l">
+              <a:spcAft>
+                <a:spcPts val="600"/>
+              </a:spcAft>
+            </a:pPr>
+            <a:r>
+              <a:rPr lang="en-US"/>
+              <a:t>Mike Nguyen</a:t>
+            </a:r>
+          </a:p>
+        </p:txBody>
+      </p:sp>
+    </p:spTree>
+    <p:extLst>
+      <p:ext uri="{BB962C8B-B14F-4D97-AF65-F5344CB8AC3E}">
+        <p14:creationId xmlns:p14="http://schemas.microsoft.com/office/powerpoint/2010/main" val="3500968134"/>
+      </p:ext>
+    </p:extLst>
+  </p:cSld>
+  <p:clrMapOvr>
+    <a:masterClrMapping/>
+  </p:clrMapOvr>
+</p:sld>
+</file>
+
+<file path=ppt/slides/slide27.xml><?xml version="1.0" encoding="utf-8"?>
 <p:sld xmlns:a="http://schemas.openxmlformats.org/drawingml/2006/main" xmlns:r="http://schemas.openxmlformats.org/officeDocument/2006/relationships" xmlns:p="http://schemas.openxmlformats.org/presentationml/2006/main">
   <p:cSld>
     <p:bg>
@@ -35178,7 +35656,7 @@
 </p:sld>
 </file>
 
-<file path=ppt/slides/slide27.xml><?xml version="1.0" encoding="utf-8"?>
+<file path=ppt/slides/slide28.xml><?xml version="1.0" encoding="utf-8"?>
 <p:sld xmlns:a="http://schemas.openxmlformats.org/drawingml/2006/main" xmlns:r="http://schemas.openxmlformats.org/officeDocument/2006/relationships" xmlns:p="http://schemas.openxmlformats.org/presentationml/2006/main">
   <p:cSld>
     <p:bg>
@@ -35681,7 +36159,7 @@
 </p:sld>
 </file>
 
-<file path=ppt/slides/slide28.xml><?xml version="1.0" encoding="utf-8"?>
+<file path=ppt/slides/slide29.xml><?xml version="1.0" encoding="utf-8"?>
 <p:sld xmlns:a="http://schemas.openxmlformats.org/drawingml/2006/main" xmlns:r="http://schemas.openxmlformats.org/officeDocument/2006/relationships" xmlns:p="http://schemas.openxmlformats.org/presentationml/2006/main">
   <p:cSld>
     <p:bg>
@@ -36253,7 +36731,272 @@
 </p:sld>
 </file>
 
-<file path=ppt/slides/slide29.xml><?xml version="1.0" encoding="utf-8"?>
+<file path=ppt/slides/slide3.xml><?xml version="1.0" encoding="utf-8"?>
+<p:sld xmlns:a="http://schemas.openxmlformats.org/drawingml/2006/main" xmlns:r="http://schemas.openxmlformats.org/officeDocument/2006/relationships" xmlns:p="http://schemas.openxmlformats.org/presentationml/2006/main">
+  <p:cSld>
+    <p:bg>
+      <p:bgPr>
+        <a:solidFill>
+          <a:schemeClr val="bg1"/>
+        </a:solidFill>
+        <a:effectLst/>
+      </p:bgPr>
+    </p:bg>
+    <p:spTree>
+      <p:nvGrpSpPr>
+        <p:cNvPr id="1" name=""/>
+        <p:cNvGrpSpPr/>
+        <p:nvPr/>
+      </p:nvGrpSpPr>
+      <p:grpSpPr>
+        <a:xfrm>
+          <a:off x="0" y="0"/>
+          <a:ext cx="0" cy="0"/>
+          <a:chOff x="0" y="0"/>
+          <a:chExt cx="0" cy="0"/>
+        </a:xfrm>
+      </p:grpSpPr>
+      <p:sp>
+        <p:nvSpPr>
+          <p:cNvPr id="2" name="Title 1">
+            <a:extLst>
+              <a:ext uri="{FF2B5EF4-FFF2-40B4-BE49-F238E27FC236}">
+                <a16:creationId xmlns:a16="http://schemas.microsoft.com/office/drawing/2014/main" id="{C925D1F0-B0E0-4F37-B147-86B526AB9065}"/>
+              </a:ext>
+            </a:extLst>
+          </p:cNvPr>
+          <p:cNvSpPr>
+            <a:spLocks noGrp="1"/>
+          </p:cNvSpPr>
+          <p:nvPr>
+            <p:ph type="title"/>
+          </p:nvPr>
+        </p:nvSpPr>
+        <p:spPr>
+          <a:xfrm>
+            <a:off x="4965430" y="629268"/>
+            <a:ext cx="6586491" cy="1286160"/>
+          </a:xfrm>
+        </p:spPr>
+        <p:txBody>
+          <a:bodyPr anchor="b">
+            <a:normAutofit/>
+          </a:bodyPr>
+          <a:lstStyle/>
+          <a:p>
+            <a:r>
+              <a:rPr lang="en-US" dirty="0"/>
+              <a:t>iClicker Question</a:t>
+            </a:r>
+          </a:p>
+        </p:txBody>
+      </p:sp>
+      <p:sp>
+        <p:nvSpPr>
+          <p:cNvPr id="3" name="Content Placeholder 2">
+            <a:extLst>
+              <a:ext uri="{FF2B5EF4-FFF2-40B4-BE49-F238E27FC236}">
+                <a16:creationId xmlns:a16="http://schemas.microsoft.com/office/drawing/2014/main" id="{E47604B0-CB5A-4E6F-BB9E-2994752A40AC}"/>
+              </a:ext>
+            </a:extLst>
+          </p:cNvPr>
+          <p:cNvSpPr>
+            <a:spLocks noGrp="1"/>
+          </p:cNvSpPr>
+          <p:nvPr>
+            <p:ph idx="1"/>
+          </p:nvPr>
+        </p:nvSpPr>
+        <p:spPr>
+          <a:xfrm>
+            <a:off x="4965431" y="2438400"/>
+            <a:ext cx="6586489" cy="3785419"/>
+          </a:xfrm>
+        </p:spPr>
+        <p:txBody>
+          <a:bodyPr>
+            <a:normAutofit/>
+          </a:bodyPr>
+          <a:lstStyle/>
+          <a:p>
+            <a:pPr marL="0" indent="0">
+              <a:buNone/>
+            </a:pPr>
+            <a:r>
+              <a:rPr lang="en-US" sz="2000" b="1"/>
+              <a:t>Primary data </a:t>
+            </a:r>
+            <a:r>
+              <a:rPr lang="en-US" sz="2000"/>
+              <a:t>are those collected by the researchers for the research question at hand and </a:t>
+            </a:r>
+            <a:r>
+              <a:rPr lang="en-US" sz="2000" b="1"/>
+              <a:t>secondary data</a:t>
+            </a:r>
+            <a:r>
+              <a:rPr lang="en-US" sz="2000"/>
+              <a:t> are those collected for other purposes</a:t>
+            </a:r>
+          </a:p>
+          <a:p>
+            <a:pPr marL="514350" indent="-514350">
+              <a:buFont typeface="+mj-lt"/>
+              <a:buAutoNum type="alphaUcPeriod"/>
+            </a:pPr>
+            <a:r>
+              <a:rPr lang="en-US" sz="2000"/>
+              <a:t>True</a:t>
+            </a:r>
+          </a:p>
+          <a:p>
+            <a:pPr marL="514350" indent="-514350">
+              <a:buFont typeface="+mj-lt"/>
+              <a:buAutoNum type="alphaUcPeriod"/>
+            </a:pPr>
+            <a:r>
+              <a:rPr lang="en-US" sz="2000"/>
+              <a:t>False</a:t>
+            </a:r>
+          </a:p>
+        </p:txBody>
+      </p:sp>
+      <p:pic>
+        <p:nvPicPr>
+          <p:cNvPr id="6" name="Picture 5" descr="Question mark on green pastel background">
+            <a:extLst>
+              <a:ext uri="{FF2B5EF4-FFF2-40B4-BE49-F238E27FC236}">
+                <a16:creationId xmlns:a16="http://schemas.microsoft.com/office/drawing/2014/main" id="{41022404-5D42-4CDB-9075-3BB622CBCD69}"/>
+              </a:ext>
+            </a:extLst>
+          </p:cNvPr>
+          <p:cNvPicPr>
+            <a:picLocks noChangeAspect="1"/>
+          </p:cNvPicPr>
+          <p:nvPr/>
+        </p:nvPicPr>
+        <p:blipFill rotWithShape="1">
+          <a:blip r:embed="rId2"/>
+          <a:srcRect l="44648" r="4656"/>
+          <a:stretch/>
+        </p:blipFill>
+        <p:spPr>
+          <a:xfrm>
+            <a:off x="20" y="10"/>
+            <a:ext cx="4635571" cy="6857990"/>
+          </a:xfrm>
+          <a:prstGeom prst="rect">
+            <a:avLst/>
+          </a:prstGeom>
+          <a:effectLst/>
+        </p:spPr>
+      </p:pic>
+      <p:cxnSp>
+        <p:nvCxnSpPr>
+          <p:cNvPr id="10" name="Straight Connector 9">
+            <a:extLst>
+              <a:ext uri="{FF2B5EF4-FFF2-40B4-BE49-F238E27FC236}">
+                <a16:creationId xmlns:a16="http://schemas.microsoft.com/office/drawing/2014/main" id="{A7F400EE-A8A5-48AF-B4D6-291B52C6F0B0}"/>
+              </a:ext>
+              <a:ext uri="{C183D7F6-B498-43B3-948B-1728B52AA6E4}">
+                <adec:decorative xmlns:adec="http://schemas.microsoft.com/office/drawing/2017/decorative" val="1"/>
+              </a:ext>
+            </a:extLst>
+          </p:cNvPr>
+          <p:cNvCxnSpPr>
+            <a:cxnSpLocks noGrp="1" noRot="1" noChangeAspect="1" noMove="1" noResize="1" noEditPoints="1" noAdjustHandles="1" noChangeArrowheads="1" noChangeShapeType="1"/>
+          </p:cNvCxnSpPr>
+          <p:nvPr>
+            <p:extLst>
+              <p:ext uri="{386F3935-93C4-4BCD-93E2-E3B085C9AB24}">
+                <p16:designElem xmlns:p16="http://schemas.microsoft.com/office/powerpoint/2015/main" val="1"/>
+              </p:ext>
+            </p:extLst>
+          </p:nvPr>
+        </p:nvCxnSpPr>
+        <p:spPr>
+          <a:xfrm>
+            <a:off x="5080934" y="2115117"/>
+            <a:ext cx="6309360" cy="0"/>
+          </a:xfrm>
+          <a:prstGeom prst="line">
+            <a:avLst/>
+          </a:prstGeom>
+          <a:ln w="19050">
+            <a:solidFill>
+              <a:srgbClr val="589195"/>
+            </a:solidFill>
+          </a:ln>
+        </p:spPr>
+        <p:style>
+          <a:lnRef idx="1">
+            <a:schemeClr val="accent1"/>
+          </a:lnRef>
+          <a:fillRef idx="0">
+            <a:schemeClr val="accent1"/>
+          </a:fillRef>
+          <a:effectRef idx="0">
+            <a:schemeClr val="accent1"/>
+          </a:effectRef>
+          <a:fontRef idx="minor">
+            <a:schemeClr val="tx1"/>
+          </a:fontRef>
+        </p:style>
+      </p:cxnSp>
+      <p:sp>
+        <p:nvSpPr>
+          <p:cNvPr id="4" name="Footer Placeholder 3">
+            <a:extLst>
+              <a:ext uri="{FF2B5EF4-FFF2-40B4-BE49-F238E27FC236}">
+                <a16:creationId xmlns:a16="http://schemas.microsoft.com/office/drawing/2014/main" id="{AF00FF57-37D8-4865-8B55-F1BE345C3D29}"/>
+              </a:ext>
+            </a:extLst>
+          </p:cNvPr>
+          <p:cNvSpPr>
+            <a:spLocks noGrp="1"/>
+          </p:cNvSpPr>
+          <p:nvPr>
+            <p:ph type="ftr" sz="quarter" idx="11"/>
+          </p:nvPr>
+        </p:nvSpPr>
+        <p:spPr>
+          <a:xfrm>
+            <a:off x="4965430" y="6356350"/>
+            <a:ext cx="4139134" cy="365125"/>
+          </a:xfrm>
+        </p:spPr>
+        <p:txBody>
+          <a:bodyPr>
+            <a:normAutofit/>
+          </a:bodyPr>
+          <a:lstStyle/>
+          <a:p>
+            <a:pPr algn="l">
+              <a:spcAft>
+                <a:spcPts val="600"/>
+              </a:spcAft>
+            </a:pPr>
+            <a:r>
+              <a:rPr lang="en-US"/>
+              <a:t>Mike Nguyen</a:t>
+            </a:r>
+          </a:p>
+        </p:txBody>
+      </p:sp>
+    </p:spTree>
+    <p:extLst>
+      <p:ext uri="{BB962C8B-B14F-4D97-AF65-F5344CB8AC3E}">
+        <p14:creationId xmlns:p14="http://schemas.microsoft.com/office/powerpoint/2010/main" val="3330819661"/>
+      </p:ext>
+    </p:extLst>
+  </p:cSld>
+  <p:clrMapOvr>
+    <a:masterClrMapping/>
+  </p:clrMapOvr>
+</p:sld>
+</file>
+
+<file path=ppt/slides/slide30.xml><?xml version="1.0" encoding="utf-8"?>
 <p:sld xmlns:a="http://schemas.openxmlformats.org/drawingml/2006/main" xmlns:r="http://schemas.openxmlformats.org/officeDocument/2006/relationships" xmlns:p="http://schemas.openxmlformats.org/presentationml/2006/main">
   <p:cSld>
     <p:bg>
@@ -36807,272 +37550,7 @@
 </p:sld>
 </file>
 
-<file path=ppt/slides/slide3.xml><?xml version="1.0" encoding="utf-8"?>
-<p:sld xmlns:a="http://schemas.openxmlformats.org/drawingml/2006/main" xmlns:r="http://schemas.openxmlformats.org/officeDocument/2006/relationships" xmlns:p="http://schemas.openxmlformats.org/presentationml/2006/main">
-  <p:cSld>
-    <p:bg>
-      <p:bgPr>
-        <a:solidFill>
-          <a:schemeClr val="bg1"/>
-        </a:solidFill>
-        <a:effectLst/>
-      </p:bgPr>
-    </p:bg>
-    <p:spTree>
-      <p:nvGrpSpPr>
-        <p:cNvPr id="1" name=""/>
-        <p:cNvGrpSpPr/>
-        <p:nvPr/>
-      </p:nvGrpSpPr>
-      <p:grpSpPr>
-        <a:xfrm>
-          <a:off x="0" y="0"/>
-          <a:ext cx="0" cy="0"/>
-          <a:chOff x="0" y="0"/>
-          <a:chExt cx="0" cy="0"/>
-        </a:xfrm>
-      </p:grpSpPr>
-      <p:sp>
-        <p:nvSpPr>
-          <p:cNvPr id="2" name="Title 1">
-            <a:extLst>
-              <a:ext uri="{FF2B5EF4-FFF2-40B4-BE49-F238E27FC236}">
-                <a16:creationId xmlns:a16="http://schemas.microsoft.com/office/drawing/2014/main" id="{C925D1F0-B0E0-4F37-B147-86B526AB9065}"/>
-              </a:ext>
-            </a:extLst>
-          </p:cNvPr>
-          <p:cNvSpPr>
-            <a:spLocks noGrp="1"/>
-          </p:cNvSpPr>
-          <p:nvPr>
-            <p:ph type="title"/>
-          </p:nvPr>
-        </p:nvSpPr>
-        <p:spPr>
-          <a:xfrm>
-            <a:off x="4965430" y="629268"/>
-            <a:ext cx="6586491" cy="1286160"/>
-          </a:xfrm>
-        </p:spPr>
-        <p:txBody>
-          <a:bodyPr anchor="b">
-            <a:normAutofit/>
-          </a:bodyPr>
-          <a:lstStyle/>
-          <a:p>
-            <a:r>
-              <a:rPr lang="en-US" dirty="0"/>
-              <a:t>iClicker Question</a:t>
-            </a:r>
-          </a:p>
-        </p:txBody>
-      </p:sp>
-      <p:sp>
-        <p:nvSpPr>
-          <p:cNvPr id="3" name="Content Placeholder 2">
-            <a:extLst>
-              <a:ext uri="{FF2B5EF4-FFF2-40B4-BE49-F238E27FC236}">
-                <a16:creationId xmlns:a16="http://schemas.microsoft.com/office/drawing/2014/main" id="{E47604B0-CB5A-4E6F-BB9E-2994752A40AC}"/>
-              </a:ext>
-            </a:extLst>
-          </p:cNvPr>
-          <p:cNvSpPr>
-            <a:spLocks noGrp="1"/>
-          </p:cNvSpPr>
-          <p:nvPr>
-            <p:ph idx="1"/>
-          </p:nvPr>
-        </p:nvSpPr>
-        <p:spPr>
-          <a:xfrm>
-            <a:off x="4965431" y="2438400"/>
-            <a:ext cx="6586489" cy="3785419"/>
-          </a:xfrm>
-        </p:spPr>
-        <p:txBody>
-          <a:bodyPr>
-            <a:normAutofit/>
-          </a:bodyPr>
-          <a:lstStyle/>
-          <a:p>
-            <a:pPr marL="0" indent="0">
-              <a:buNone/>
-            </a:pPr>
-            <a:r>
-              <a:rPr lang="en-US" sz="2000" b="1"/>
-              <a:t>Primary data </a:t>
-            </a:r>
-            <a:r>
-              <a:rPr lang="en-US" sz="2000"/>
-              <a:t>are those collected by the researchers for the research question at hand and </a:t>
-            </a:r>
-            <a:r>
-              <a:rPr lang="en-US" sz="2000" b="1"/>
-              <a:t>secondary data</a:t>
-            </a:r>
-            <a:r>
-              <a:rPr lang="en-US" sz="2000"/>
-              <a:t> are those collected for other purposes</a:t>
-            </a:r>
-          </a:p>
-          <a:p>
-            <a:pPr marL="514350" indent="-514350">
-              <a:buFont typeface="+mj-lt"/>
-              <a:buAutoNum type="alphaUcPeriod"/>
-            </a:pPr>
-            <a:r>
-              <a:rPr lang="en-US" sz="2000"/>
-              <a:t>True</a:t>
-            </a:r>
-          </a:p>
-          <a:p>
-            <a:pPr marL="514350" indent="-514350">
-              <a:buFont typeface="+mj-lt"/>
-              <a:buAutoNum type="alphaUcPeriod"/>
-            </a:pPr>
-            <a:r>
-              <a:rPr lang="en-US" sz="2000"/>
-              <a:t>False</a:t>
-            </a:r>
-          </a:p>
-        </p:txBody>
-      </p:sp>
-      <p:pic>
-        <p:nvPicPr>
-          <p:cNvPr id="6" name="Picture 5" descr="Question mark on green pastel background">
-            <a:extLst>
-              <a:ext uri="{FF2B5EF4-FFF2-40B4-BE49-F238E27FC236}">
-                <a16:creationId xmlns:a16="http://schemas.microsoft.com/office/drawing/2014/main" id="{41022404-5D42-4CDB-9075-3BB622CBCD69}"/>
-              </a:ext>
-            </a:extLst>
-          </p:cNvPr>
-          <p:cNvPicPr>
-            <a:picLocks noChangeAspect="1"/>
-          </p:cNvPicPr>
-          <p:nvPr/>
-        </p:nvPicPr>
-        <p:blipFill rotWithShape="1">
-          <a:blip r:embed="rId2"/>
-          <a:srcRect l="44648" r="4656"/>
-          <a:stretch/>
-        </p:blipFill>
-        <p:spPr>
-          <a:xfrm>
-            <a:off x="20" y="10"/>
-            <a:ext cx="4635571" cy="6857990"/>
-          </a:xfrm>
-          <a:prstGeom prst="rect">
-            <a:avLst/>
-          </a:prstGeom>
-          <a:effectLst/>
-        </p:spPr>
-      </p:pic>
-      <p:cxnSp>
-        <p:nvCxnSpPr>
-          <p:cNvPr id="10" name="Straight Connector 9">
-            <a:extLst>
-              <a:ext uri="{FF2B5EF4-FFF2-40B4-BE49-F238E27FC236}">
-                <a16:creationId xmlns:a16="http://schemas.microsoft.com/office/drawing/2014/main" id="{A7F400EE-A8A5-48AF-B4D6-291B52C6F0B0}"/>
-              </a:ext>
-              <a:ext uri="{C183D7F6-B498-43B3-948B-1728B52AA6E4}">
-                <adec:decorative xmlns:adec="http://schemas.microsoft.com/office/drawing/2017/decorative" val="1"/>
-              </a:ext>
-            </a:extLst>
-          </p:cNvPr>
-          <p:cNvCxnSpPr>
-            <a:cxnSpLocks noGrp="1" noRot="1" noChangeAspect="1" noMove="1" noResize="1" noEditPoints="1" noAdjustHandles="1" noChangeArrowheads="1" noChangeShapeType="1"/>
-          </p:cNvCxnSpPr>
-          <p:nvPr>
-            <p:extLst>
-              <p:ext uri="{386F3935-93C4-4BCD-93E2-E3B085C9AB24}">
-                <p16:designElem xmlns:p16="http://schemas.microsoft.com/office/powerpoint/2015/main" val="1"/>
-              </p:ext>
-            </p:extLst>
-          </p:nvPr>
-        </p:nvCxnSpPr>
-        <p:spPr>
-          <a:xfrm>
-            <a:off x="5080934" y="2115117"/>
-            <a:ext cx="6309360" cy="0"/>
-          </a:xfrm>
-          <a:prstGeom prst="line">
-            <a:avLst/>
-          </a:prstGeom>
-          <a:ln w="19050">
-            <a:solidFill>
-              <a:srgbClr val="589195"/>
-            </a:solidFill>
-          </a:ln>
-        </p:spPr>
-        <p:style>
-          <a:lnRef idx="1">
-            <a:schemeClr val="accent1"/>
-          </a:lnRef>
-          <a:fillRef idx="0">
-            <a:schemeClr val="accent1"/>
-          </a:fillRef>
-          <a:effectRef idx="0">
-            <a:schemeClr val="accent1"/>
-          </a:effectRef>
-          <a:fontRef idx="minor">
-            <a:schemeClr val="tx1"/>
-          </a:fontRef>
-        </p:style>
-      </p:cxnSp>
-      <p:sp>
-        <p:nvSpPr>
-          <p:cNvPr id="4" name="Footer Placeholder 3">
-            <a:extLst>
-              <a:ext uri="{FF2B5EF4-FFF2-40B4-BE49-F238E27FC236}">
-                <a16:creationId xmlns:a16="http://schemas.microsoft.com/office/drawing/2014/main" id="{AF00FF57-37D8-4865-8B55-F1BE345C3D29}"/>
-              </a:ext>
-            </a:extLst>
-          </p:cNvPr>
-          <p:cNvSpPr>
-            <a:spLocks noGrp="1"/>
-          </p:cNvSpPr>
-          <p:nvPr>
-            <p:ph type="ftr" sz="quarter" idx="11"/>
-          </p:nvPr>
-        </p:nvSpPr>
-        <p:spPr>
-          <a:xfrm>
-            <a:off x="4965430" y="6356350"/>
-            <a:ext cx="4139134" cy="365125"/>
-          </a:xfrm>
-        </p:spPr>
-        <p:txBody>
-          <a:bodyPr>
-            <a:normAutofit/>
-          </a:bodyPr>
-          <a:lstStyle/>
-          <a:p>
-            <a:pPr algn="l">
-              <a:spcAft>
-                <a:spcPts val="600"/>
-              </a:spcAft>
-            </a:pPr>
-            <a:r>
-              <a:rPr lang="en-US"/>
-              <a:t>Mike Nguyen</a:t>
-            </a:r>
-          </a:p>
-        </p:txBody>
-      </p:sp>
-    </p:spTree>
-    <p:extLst>
-      <p:ext uri="{BB962C8B-B14F-4D97-AF65-F5344CB8AC3E}">
-        <p14:creationId xmlns:p14="http://schemas.microsoft.com/office/powerpoint/2010/main" val="3330819661"/>
-      </p:ext>
-    </p:extLst>
-  </p:cSld>
-  <p:clrMapOvr>
-    <a:masterClrMapping/>
-  </p:clrMapOvr>
-</p:sld>
-</file>
-
-<file path=ppt/slides/slide30.xml><?xml version="1.0" encoding="utf-8"?>
+<file path=ppt/slides/slide31.xml><?xml version="1.0" encoding="utf-8"?>
 <p:sld xmlns:a="http://schemas.openxmlformats.org/drawingml/2006/main" xmlns:r="http://schemas.openxmlformats.org/officeDocument/2006/relationships" xmlns:p="http://schemas.openxmlformats.org/presentationml/2006/main">
   <p:cSld>
     <p:spTree>
@@ -37933,7 +38411,620 @@
 </p:sld>
 </file>
 
-<file path=ppt/slides/slide31.xml><?xml version="1.0" encoding="utf-8"?>
+<file path=ppt/slides/slide32.xml><?xml version="1.0" encoding="utf-8"?>
+<p:sld xmlns:a="http://schemas.openxmlformats.org/drawingml/2006/main" xmlns:r="http://schemas.openxmlformats.org/officeDocument/2006/relationships" xmlns:p="http://schemas.openxmlformats.org/presentationml/2006/main">
+  <p:cSld>
+    <p:spTree>
+      <p:nvGrpSpPr>
+        <p:cNvPr id="1" name=""/>
+        <p:cNvGrpSpPr/>
+        <p:nvPr/>
+      </p:nvGrpSpPr>
+      <p:grpSpPr>
+        <a:xfrm>
+          <a:off x="0" y="0"/>
+          <a:ext cx="0" cy="0"/>
+          <a:chOff x="0" y="0"/>
+          <a:chExt cx="0" cy="0"/>
+        </a:xfrm>
+      </p:grpSpPr>
+      <p:sp>
+        <p:nvSpPr>
+          <p:cNvPr id="2" name="Title 1">
+            <a:extLst>
+              <a:ext uri="{FF2B5EF4-FFF2-40B4-BE49-F238E27FC236}">
+                <a16:creationId xmlns:a16="http://schemas.microsoft.com/office/drawing/2014/main" id="{85B4966A-30D1-4B28-BD6B-82C78E3DF844}"/>
+              </a:ext>
+            </a:extLst>
+          </p:cNvPr>
+          <p:cNvSpPr>
+            <a:spLocks noGrp="1"/>
+          </p:cNvSpPr>
+          <p:nvPr>
+            <p:ph type="title"/>
+          </p:nvPr>
+        </p:nvSpPr>
+        <p:spPr/>
+        <p:txBody>
+          <a:bodyPr/>
+          <a:lstStyle/>
+          <a:p>
+            <a:r>
+              <a:rPr lang="en-US" dirty="0"/>
+              <a:t>What if – Regression Analysis</a:t>
+            </a:r>
+          </a:p>
+        </p:txBody>
+      </p:sp>
+      <p:sp>
+        <p:nvSpPr>
+          <p:cNvPr id="4" name="Footer Placeholder 3">
+            <a:extLst>
+              <a:ext uri="{FF2B5EF4-FFF2-40B4-BE49-F238E27FC236}">
+                <a16:creationId xmlns:a16="http://schemas.microsoft.com/office/drawing/2014/main" id="{47FD9763-7243-41F1-8763-E684C692D831}"/>
+              </a:ext>
+            </a:extLst>
+          </p:cNvPr>
+          <p:cNvSpPr>
+            <a:spLocks noGrp="1"/>
+          </p:cNvSpPr>
+          <p:nvPr>
+            <p:ph type="ftr" sz="quarter" idx="11"/>
+          </p:nvPr>
+        </p:nvSpPr>
+        <p:spPr/>
+        <p:txBody>
+          <a:bodyPr/>
+          <a:lstStyle/>
+          <a:p>
+            <a:r>
+              <a:rPr lang="en-US"/>
+              <a:t>Mike Nguyen</a:t>
+            </a:r>
+            <a:endParaRPr lang="en-US" dirty="0"/>
+          </a:p>
+        </p:txBody>
+      </p:sp>
+      <p:sp>
+        <p:nvSpPr>
+          <p:cNvPr id="6" name="Rectangle 5">
+            <a:extLst>
+              <a:ext uri="{FF2B5EF4-FFF2-40B4-BE49-F238E27FC236}">
+                <a16:creationId xmlns:a16="http://schemas.microsoft.com/office/drawing/2014/main" id="{BDD258DF-FDCE-447D-A160-CC40755C3FA0}"/>
+              </a:ext>
+            </a:extLst>
+          </p:cNvPr>
+          <p:cNvSpPr/>
+          <p:nvPr/>
+        </p:nvSpPr>
+        <p:spPr>
+          <a:xfrm>
+            <a:off x="3135923" y="2112719"/>
+            <a:ext cx="1805354" cy="1019908"/>
+          </a:xfrm>
+          <a:prstGeom prst="rect">
+            <a:avLst/>
+          </a:prstGeom>
+        </p:spPr>
+        <p:style>
+          <a:lnRef idx="2">
+            <a:schemeClr val="dk1"/>
+          </a:lnRef>
+          <a:fillRef idx="1">
+            <a:schemeClr val="lt1"/>
+          </a:fillRef>
+          <a:effectRef idx="0">
+            <a:schemeClr val="dk1"/>
+          </a:effectRef>
+          <a:fontRef idx="minor">
+            <a:schemeClr val="dk1"/>
+          </a:fontRef>
+        </p:style>
+        <p:txBody>
+          <a:bodyPr rtlCol="0" anchor="ctr"/>
+          <a:lstStyle/>
+          <a:p>
+            <a:pPr algn="ctr"/>
+            <a:r>
+              <a:rPr lang="en-US" dirty="0" err="1"/>
+              <a:t>X1</a:t>
+            </a:r>
+            <a:endParaRPr lang="en-US" dirty="0"/>
+          </a:p>
+        </p:txBody>
+      </p:sp>
+      <p:sp>
+        <p:nvSpPr>
+          <p:cNvPr id="7" name="Rectangle 6">
+            <a:extLst>
+              <a:ext uri="{FF2B5EF4-FFF2-40B4-BE49-F238E27FC236}">
+                <a16:creationId xmlns:a16="http://schemas.microsoft.com/office/drawing/2014/main" id="{34BA35CC-1E8E-43F0-B5B6-A1EEBEB2D2CA}"/>
+              </a:ext>
+            </a:extLst>
+          </p:cNvPr>
+          <p:cNvSpPr/>
+          <p:nvPr/>
+        </p:nvSpPr>
+        <p:spPr>
+          <a:xfrm>
+            <a:off x="7250725" y="2975951"/>
+            <a:ext cx="1805354" cy="1019908"/>
+          </a:xfrm>
+          <a:prstGeom prst="rect">
+            <a:avLst/>
+          </a:prstGeom>
+        </p:spPr>
+        <p:style>
+          <a:lnRef idx="2">
+            <a:schemeClr val="dk1"/>
+          </a:lnRef>
+          <a:fillRef idx="1">
+            <a:schemeClr val="lt1"/>
+          </a:fillRef>
+          <a:effectRef idx="0">
+            <a:schemeClr val="dk1"/>
+          </a:effectRef>
+          <a:fontRef idx="minor">
+            <a:schemeClr val="dk1"/>
+          </a:fontRef>
+        </p:style>
+        <p:txBody>
+          <a:bodyPr rtlCol="0" anchor="ctr"/>
+          <a:lstStyle/>
+          <a:p>
+            <a:pPr algn="ctr"/>
+            <a:r>
+              <a:rPr lang="en-US" dirty="0"/>
+              <a:t>Y</a:t>
+            </a:r>
+          </a:p>
+        </p:txBody>
+      </p:sp>
+      <p:sp>
+        <p:nvSpPr>
+          <p:cNvPr id="8" name="Rectangle 7">
+            <a:extLst>
+              <a:ext uri="{FF2B5EF4-FFF2-40B4-BE49-F238E27FC236}">
+                <a16:creationId xmlns:a16="http://schemas.microsoft.com/office/drawing/2014/main" id="{A4106ABD-FB2D-4438-8DBF-DC70CFA46C2E}"/>
+              </a:ext>
+            </a:extLst>
+          </p:cNvPr>
+          <p:cNvSpPr/>
+          <p:nvPr/>
+        </p:nvSpPr>
+        <p:spPr>
+          <a:xfrm>
+            <a:off x="3135923" y="4036159"/>
+            <a:ext cx="1805354" cy="1019908"/>
+          </a:xfrm>
+          <a:prstGeom prst="rect">
+            <a:avLst/>
+          </a:prstGeom>
+        </p:spPr>
+        <p:style>
+          <a:lnRef idx="2">
+            <a:schemeClr val="dk1"/>
+          </a:lnRef>
+          <a:fillRef idx="1">
+            <a:schemeClr val="lt1"/>
+          </a:fillRef>
+          <a:effectRef idx="0">
+            <a:schemeClr val="dk1"/>
+          </a:effectRef>
+          <a:fontRef idx="minor">
+            <a:schemeClr val="dk1"/>
+          </a:fontRef>
+        </p:style>
+        <p:txBody>
+          <a:bodyPr rtlCol="0" anchor="ctr"/>
+          <a:lstStyle/>
+          <a:p>
+            <a:pPr algn="ctr"/>
+            <a:r>
+              <a:rPr lang="en-US" dirty="0" err="1"/>
+              <a:t>X2</a:t>
+            </a:r>
+            <a:endParaRPr lang="en-US" dirty="0"/>
+          </a:p>
+        </p:txBody>
+      </p:sp>
+      <p:cxnSp>
+        <p:nvCxnSpPr>
+          <p:cNvPr id="13" name="Straight Arrow Connector 12">
+            <a:extLst>
+              <a:ext uri="{FF2B5EF4-FFF2-40B4-BE49-F238E27FC236}">
+                <a16:creationId xmlns:a16="http://schemas.microsoft.com/office/drawing/2014/main" id="{250AD250-62CC-4258-A2BE-A2D1E8D12665}"/>
+              </a:ext>
+            </a:extLst>
+          </p:cNvPr>
+          <p:cNvCxnSpPr>
+            <a:cxnSpLocks/>
+            <a:stCxn id="8" idx="3"/>
+            <a:endCxn id="7" idx="1"/>
+          </p:cNvCxnSpPr>
+          <p:nvPr/>
+        </p:nvCxnSpPr>
+        <p:spPr>
+          <a:xfrm flipV="1">
+            <a:off x="4941277" y="3485905"/>
+            <a:ext cx="2309448" cy="1060208"/>
+          </a:xfrm>
+          <a:prstGeom prst="straightConnector1">
+            <a:avLst/>
+          </a:prstGeom>
+          <a:ln>
+            <a:headEnd type="triangle"/>
+            <a:tailEnd type="triangle"/>
+          </a:ln>
+        </p:spPr>
+        <p:style>
+          <a:lnRef idx="1">
+            <a:schemeClr val="dk1"/>
+          </a:lnRef>
+          <a:fillRef idx="0">
+            <a:schemeClr val="dk1"/>
+          </a:fillRef>
+          <a:effectRef idx="0">
+            <a:schemeClr val="dk1"/>
+          </a:effectRef>
+          <a:fontRef idx="minor">
+            <a:schemeClr val="tx1"/>
+          </a:fontRef>
+        </p:style>
+      </p:cxnSp>
+      <p:sp>
+        <p:nvSpPr>
+          <p:cNvPr id="16" name="TextBox 15">
+            <a:extLst>
+              <a:ext uri="{FF2B5EF4-FFF2-40B4-BE49-F238E27FC236}">
+                <a16:creationId xmlns:a16="http://schemas.microsoft.com/office/drawing/2014/main" id="{1F40520A-85E9-4FA4-AA1C-48A8F7A9968F}"/>
+              </a:ext>
+            </a:extLst>
+          </p:cNvPr>
+          <p:cNvSpPr txBox="1"/>
+          <p:nvPr/>
+        </p:nvSpPr>
+        <p:spPr>
+          <a:xfrm>
+            <a:off x="3135923" y="1413471"/>
+            <a:ext cx="1916723" cy="646331"/>
+          </a:xfrm>
+          <a:prstGeom prst="rect">
+            <a:avLst/>
+          </a:prstGeom>
+          <a:noFill/>
+        </p:spPr>
+        <p:txBody>
+          <a:bodyPr wrap="square" rtlCol="0">
+            <a:spAutoFit/>
+          </a:bodyPr>
+          <a:lstStyle/>
+          <a:p>
+            <a:r>
+              <a:rPr lang="en-US" dirty="0"/>
+              <a:t>Categorical/</a:t>
+            </a:r>
+          </a:p>
+          <a:p>
+            <a:r>
+              <a:rPr lang="en-US" dirty="0"/>
+              <a:t>Discrete</a:t>
+            </a:r>
+          </a:p>
+        </p:txBody>
+      </p:sp>
+      <p:sp>
+        <p:nvSpPr>
+          <p:cNvPr id="17" name="TextBox 16">
+            <a:extLst>
+              <a:ext uri="{FF2B5EF4-FFF2-40B4-BE49-F238E27FC236}">
+                <a16:creationId xmlns:a16="http://schemas.microsoft.com/office/drawing/2014/main" id="{743A4693-6190-49BB-BDD1-820D88988AFB}"/>
+              </a:ext>
+            </a:extLst>
+          </p:cNvPr>
+          <p:cNvSpPr txBox="1"/>
+          <p:nvPr/>
+        </p:nvSpPr>
+        <p:spPr>
+          <a:xfrm>
+            <a:off x="3080238" y="3485905"/>
+            <a:ext cx="1916723" cy="369332"/>
+          </a:xfrm>
+          <a:prstGeom prst="rect">
+            <a:avLst/>
+          </a:prstGeom>
+          <a:noFill/>
+        </p:spPr>
+        <p:txBody>
+          <a:bodyPr wrap="square" rtlCol="0">
+            <a:spAutoFit/>
+          </a:bodyPr>
+          <a:lstStyle/>
+          <a:p>
+            <a:r>
+              <a:rPr lang="en-US" dirty="0"/>
+              <a:t>Continuous</a:t>
+            </a:r>
+          </a:p>
+        </p:txBody>
+      </p:sp>
+      <p:cxnSp>
+        <p:nvCxnSpPr>
+          <p:cNvPr id="18" name="Straight Arrow Connector 17">
+            <a:extLst>
+              <a:ext uri="{FF2B5EF4-FFF2-40B4-BE49-F238E27FC236}">
+                <a16:creationId xmlns:a16="http://schemas.microsoft.com/office/drawing/2014/main" id="{25E67C5C-701B-4281-A099-1A6E0DCE7189}"/>
+              </a:ext>
+            </a:extLst>
+          </p:cNvPr>
+          <p:cNvCxnSpPr>
+            <a:stCxn id="6" idx="3"/>
+            <a:endCxn id="7" idx="1"/>
+          </p:cNvCxnSpPr>
+          <p:nvPr/>
+        </p:nvCxnSpPr>
+        <p:spPr>
+          <a:xfrm>
+            <a:off x="4941277" y="2622673"/>
+            <a:ext cx="2309448" cy="863232"/>
+          </a:xfrm>
+          <a:prstGeom prst="straightConnector1">
+            <a:avLst/>
+          </a:prstGeom>
+          <a:ln>
+            <a:headEnd type="triangle"/>
+            <a:tailEnd type="triangle"/>
+          </a:ln>
+        </p:spPr>
+        <p:style>
+          <a:lnRef idx="1">
+            <a:schemeClr val="dk1"/>
+          </a:lnRef>
+          <a:fillRef idx="0">
+            <a:schemeClr val="dk1"/>
+          </a:fillRef>
+          <a:effectRef idx="0">
+            <a:schemeClr val="dk1"/>
+          </a:effectRef>
+          <a:fontRef idx="minor">
+            <a:schemeClr val="tx1"/>
+          </a:fontRef>
+        </p:style>
+      </p:cxnSp>
+    </p:spTree>
+    <p:extLst>
+      <p:ext uri="{BB962C8B-B14F-4D97-AF65-F5344CB8AC3E}">
+        <p14:creationId xmlns:p14="http://schemas.microsoft.com/office/powerpoint/2010/main" val="4101274508"/>
+      </p:ext>
+    </p:extLst>
+  </p:cSld>
+  <p:clrMapOvr>
+    <a:masterClrMapping/>
+  </p:clrMapOvr>
+  <p:timing>
+    <p:tnLst>
+      <p:par>
+        <p:cTn id="1" dur="indefinite" restart="never" nodeType="tmRoot">
+          <p:childTnLst>
+            <p:seq concurrent="1" nextAc="seek">
+              <p:cTn id="2" dur="indefinite" nodeType="mainSeq">
+                <p:childTnLst>
+                  <p:par>
+                    <p:cTn id="3" fill="hold">
+                      <p:stCondLst>
+                        <p:cond delay="indefinite"/>
+                        <p:cond evt="onBegin" delay="0">
+                          <p:tn val="2"/>
+                        </p:cond>
+                      </p:stCondLst>
+                      <p:childTnLst>
+                        <p:par>
+                          <p:cTn id="4" fill="hold">
+                            <p:stCondLst>
+                              <p:cond delay="0"/>
+                            </p:stCondLst>
+                            <p:childTnLst>
+                              <p:par>
+                                <p:cTn id="5" presetID="1" presetClass="entr" presetSubtype="0" fill="hold" grpId="0" nodeType="withEffect">
+                                  <p:stCondLst>
+                                    <p:cond delay="0"/>
+                                  </p:stCondLst>
+                                  <p:childTnLst>
+                                    <p:set>
+                                      <p:cBhvr>
+                                        <p:cTn id="6" dur="1" fill="hold">
+                                          <p:stCondLst>
+                                            <p:cond delay="0"/>
+                                          </p:stCondLst>
+                                        </p:cTn>
+                                        <p:tgtEl>
+                                          <p:spTgt spid="6"/>
+                                        </p:tgtEl>
+                                        <p:attrNameLst>
+                                          <p:attrName>style.visibility</p:attrName>
+                                        </p:attrNameLst>
+                                      </p:cBhvr>
+                                      <p:to>
+                                        <p:strVal val="visible"/>
+                                      </p:to>
+                                    </p:set>
+                                  </p:childTnLst>
+                                </p:cTn>
+                              </p:par>
+                              <p:par>
+                                <p:cTn id="7" presetID="1" presetClass="entr" presetSubtype="0" fill="hold" grpId="0" nodeType="withEffect">
+                                  <p:stCondLst>
+                                    <p:cond delay="0"/>
+                                  </p:stCondLst>
+                                  <p:childTnLst>
+                                    <p:set>
+                                      <p:cBhvr>
+                                        <p:cTn id="8" dur="1" fill="hold">
+                                          <p:stCondLst>
+                                            <p:cond delay="0"/>
+                                          </p:stCondLst>
+                                        </p:cTn>
+                                        <p:tgtEl>
+                                          <p:spTgt spid="16"/>
+                                        </p:tgtEl>
+                                        <p:attrNameLst>
+                                          <p:attrName>style.visibility</p:attrName>
+                                        </p:attrNameLst>
+                                      </p:cBhvr>
+                                      <p:to>
+                                        <p:strVal val="visible"/>
+                                      </p:to>
+                                    </p:set>
+                                  </p:childTnLst>
+                                </p:cTn>
+                              </p:par>
+                              <p:par>
+                                <p:cTn id="9" presetID="1" presetClass="entr" presetSubtype="0" fill="hold" grpId="0" nodeType="withEffect">
+                                  <p:stCondLst>
+                                    <p:cond delay="0"/>
+                                  </p:stCondLst>
+                                  <p:childTnLst>
+                                    <p:set>
+                                      <p:cBhvr>
+                                        <p:cTn id="10" dur="1" fill="hold">
+                                          <p:stCondLst>
+                                            <p:cond delay="0"/>
+                                          </p:stCondLst>
+                                        </p:cTn>
+                                        <p:tgtEl>
+                                          <p:spTgt spid="7"/>
+                                        </p:tgtEl>
+                                        <p:attrNameLst>
+                                          <p:attrName>style.visibility</p:attrName>
+                                        </p:attrNameLst>
+                                      </p:cBhvr>
+                                      <p:to>
+                                        <p:strVal val="visible"/>
+                                      </p:to>
+                                    </p:set>
+                                  </p:childTnLst>
+                                </p:cTn>
+                              </p:par>
+                              <p:par>
+                                <p:cTn id="11" presetID="1" presetClass="entr" presetSubtype="0" fill="hold" grpId="0" nodeType="withEffect">
+                                  <p:stCondLst>
+                                    <p:cond delay="0"/>
+                                  </p:stCondLst>
+                                  <p:childTnLst>
+                                    <p:set>
+                                      <p:cBhvr>
+                                        <p:cTn id="12" dur="1" fill="hold">
+                                          <p:stCondLst>
+                                            <p:cond delay="0"/>
+                                          </p:stCondLst>
+                                        </p:cTn>
+                                        <p:tgtEl>
+                                          <p:spTgt spid="17"/>
+                                        </p:tgtEl>
+                                        <p:attrNameLst>
+                                          <p:attrName>style.visibility</p:attrName>
+                                        </p:attrNameLst>
+                                      </p:cBhvr>
+                                      <p:to>
+                                        <p:strVal val="visible"/>
+                                      </p:to>
+                                    </p:set>
+                                  </p:childTnLst>
+                                </p:cTn>
+                              </p:par>
+                              <p:par>
+                                <p:cTn id="13" presetID="1" presetClass="entr" presetSubtype="0" fill="hold" grpId="0" nodeType="withEffect">
+                                  <p:stCondLst>
+                                    <p:cond delay="0"/>
+                                  </p:stCondLst>
+                                  <p:childTnLst>
+                                    <p:set>
+                                      <p:cBhvr>
+                                        <p:cTn id="14" dur="1" fill="hold">
+                                          <p:stCondLst>
+                                            <p:cond delay="0"/>
+                                          </p:stCondLst>
+                                        </p:cTn>
+                                        <p:tgtEl>
+                                          <p:spTgt spid="8"/>
+                                        </p:tgtEl>
+                                        <p:attrNameLst>
+                                          <p:attrName>style.visibility</p:attrName>
+                                        </p:attrNameLst>
+                                      </p:cBhvr>
+                                      <p:to>
+                                        <p:strVal val="visible"/>
+                                      </p:to>
+                                    </p:set>
+                                  </p:childTnLst>
+                                </p:cTn>
+                              </p:par>
+                              <p:par>
+                                <p:cTn id="15" presetID="1" presetClass="entr" presetSubtype="0" fill="hold" nodeType="withEffect">
+                                  <p:stCondLst>
+                                    <p:cond delay="0"/>
+                                  </p:stCondLst>
+                                  <p:childTnLst>
+                                    <p:set>
+                                      <p:cBhvr>
+                                        <p:cTn id="16" dur="1" fill="hold">
+                                          <p:stCondLst>
+                                            <p:cond delay="0"/>
+                                          </p:stCondLst>
+                                        </p:cTn>
+                                        <p:tgtEl>
+                                          <p:spTgt spid="13"/>
+                                        </p:tgtEl>
+                                        <p:attrNameLst>
+                                          <p:attrName>style.visibility</p:attrName>
+                                        </p:attrNameLst>
+                                      </p:cBhvr>
+                                      <p:to>
+                                        <p:strVal val="visible"/>
+                                      </p:to>
+                                    </p:set>
+                                  </p:childTnLst>
+                                </p:cTn>
+                              </p:par>
+                            </p:childTnLst>
+                          </p:cTn>
+                        </p:par>
+                      </p:childTnLst>
+                    </p:cTn>
+                  </p:par>
+                </p:childTnLst>
+              </p:cTn>
+              <p:prevCondLst>
+                <p:cond evt="onPrev" delay="0">
+                  <p:tgtEl>
+                    <p:sldTgt/>
+                  </p:tgtEl>
+                </p:cond>
+              </p:prevCondLst>
+              <p:nextCondLst>
+                <p:cond evt="onNext" delay="0">
+                  <p:tgtEl>
+                    <p:sldTgt/>
+                  </p:tgtEl>
+                </p:cond>
+              </p:nextCondLst>
+            </p:seq>
+          </p:childTnLst>
+        </p:cTn>
+      </p:par>
+    </p:tnLst>
+    <p:bldLst>
+      <p:bldP spid="6" grpId="0" animBg="1"/>
+      <p:bldP spid="7" grpId="0" animBg="1"/>
+      <p:bldP spid="8" grpId="0" animBg="1"/>
+      <p:bldP spid="16" grpId="0"/>
+      <p:bldP spid="17" grpId="0"/>
+    </p:bldLst>
+  </p:timing>
+</p:sld>
+</file>
+
+<file path=ppt/slides/slide33.xml><?xml version="1.0" encoding="utf-8"?>
 <p:sld xmlns:a="http://schemas.openxmlformats.org/drawingml/2006/main" xmlns:r="http://schemas.openxmlformats.org/officeDocument/2006/relationships" xmlns:p="http://schemas.openxmlformats.org/presentationml/2006/main">
   <p:cSld>
     <p:bg>
@@ -38613,7 +39704,7 @@
 </p:sld>
 </file>
 
-<file path=ppt/slides/slide32.xml><?xml version="1.0" encoding="utf-8"?>
+<file path=ppt/slides/slide34.xml><?xml version="1.0" encoding="utf-8"?>
 <p:sld xmlns:a="http://schemas.openxmlformats.org/drawingml/2006/main" xmlns:r="http://schemas.openxmlformats.org/officeDocument/2006/relationships" xmlns:p="http://schemas.openxmlformats.org/presentationml/2006/main">
   <p:cSld>
     <p:bg>
@@ -39261,7 +40352,7 @@
 </p:sld>
 </file>
 
-<file path=ppt/slides/slide33.xml><?xml version="1.0" encoding="utf-8"?>
+<file path=ppt/slides/slide35.xml><?xml version="1.0" encoding="utf-8"?>
 <p:sld xmlns:a="http://schemas.openxmlformats.org/drawingml/2006/main" xmlns:r="http://schemas.openxmlformats.org/officeDocument/2006/relationships" xmlns:p="http://schemas.openxmlformats.org/presentationml/2006/main">
   <p:cSld>
     <p:bg>
@@ -39896,7 +40987,7 @@
 </p:sld>
 </file>
 
-<file path=ppt/slides/slide34.xml><?xml version="1.0" encoding="utf-8"?>
+<file path=ppt/slides/slide36.xml><?xml version="1.0" encoding="utf-8"?>
 <p:sld xmlns:a="http://schemas.openxmlformats.org/drawingml/2006/main" xmlns:r="http://schemas.openxmlformats.org/officeDocument/2006/relationships" xmlns:p="http://schemas.openxmlformats.org/presentationml/2006/main">
   <p:cSld>
     <p:spTree>
@@ -40010,7 +41101,561 @@
 </p:sld>
 </file>
 
-<file path=ppt/slides/slide35.xml><?xml version="1.0" encoding="utf-8"?>
+<file path=ppt/slides/slide37.xml><?xml version="1.0" encoding="utf-8"?>
+<p:sld xmlns:a="http://schemas.openxmlformats.org/drawingml/2006/main" xmlns:r="http://schemas.openxmlformats.org/officeDocument/2006/relationships" xmlns:p="http://schemas.openxmlformats.org/presentationml/2006/main">
+  <p:cSld>
+    <p:bg>
+      <p:bgPr>
+        <a:solidFill>
+          <a:schemeClr val="bg1"/>
+        </a:solidFill>
+        <a:effectLst/>
+      </p:bgPr>
+    </p:bg>
+    <p:spTree>
+      <p:nvGrpSpPr>
+        <p:cNvPr id="1" name=""/>
+        <p:cNvGrpSpPr/>
+        <p:nvPr/>
+      </p:nvGrpSpPr>
+      <p:grpSpPr>
+        <a:xfrm>
+          <a:off x="0" y="0"/>
+          <a:ext cx="0" cy="0"/>
+          <a:chOff x="0" y="0"/>
+          <a:chExt cx="0" cy="0"/>
+        </a:xfrm>
+      </p:grpSpPr>
+      <p:sp useBgFill="1">
+        <p:nvSpPr>
+          <p:cNvPr id="17" name="Rectangle 8">
+            <a:extLst>
+              <a:ext uri="{FF2B5EF4-FFF2-40B4-BE49-F238E27FC236}">
+                <a16:creationId xmlns:a16="http://schemas.microsoft.com/office/drawing/2014/main" id="{B6CDA21F-E7AF-4C75-8395-33F58D5B0E45}"/>
+              </a:ext>
+              <a:ext uri="{C183D7F6-B498-43B3-948B-1728B52AA6E4}">
+                <adec:decorative xmlns:adec="http://schemas.microsoft.com/office/drawing/2017/decorative" val="1"/>
+              </a:ext>
+            </a:extLst>
+          </p:cNvPr>
+          <p:cNvSpPr>
+            <a:spLocks noGrp="1" noRot="1" noChangeAspect="1" noMove="1" noResize="1" noEditPoints="1" noAdjustHandles="1" noChangeArrowheads="1" noChangeShapeType="1" noTextEdit="1"/>
+          </p:cNvSpPr>
+          <p:nvPr>
+            <p:extLst>
+              <p:ext uri="{386F3935-93C4-4BCD-93E2-E3B085C9AB24}">
+                <p16:designElem xmlns:p16="http://schemas.microsoft.com/office/powerpoint/2015/main" val="1"/>
+              </p:ext>
+            </p:extLst>
+          </p:nvPr>
+        </p:nvSpPr>
+        <p:spPr>
+          <a:xfrm>
+            <a:off x="0" y="0"/>
+            <a:ext cx="12191999" cy="6857365"/>
+          </a:xfrm>
+          <a:prstGeom prst="rect">
+            <a:avLst/>
+          </a:prstGeom>
+          <a:ln>
+            <a:noFill/>
+          </a:ln>
+        </p:spPr>
+        <p:style>
+          <a:lnRef idx="2">
+            <a:schemeClr val="accent1">
+              <a:shade val="50000"/>
+            </a:schemeClr>
+          </a:lnRef>
+          <a:fillRef idx="1">
+            <a:schemeClr val="accent1"/>
+          </a:fillRef>
+          <a:effectRef idx="0">
+            <a:schemeClr val="accent1"/>
+          </a:effectRef>
+          <a:fontRef idx="minor">
+            <a:schemeClr val="lt1"/>
+          </a:fontRef>
+        </p:style>
+        <p:txBody>
+          <a:bodyPr rtlCol="0" anchor="ctr"/>
+          <a:lstStyle/>
+          <a:p>
+            <a:pPr algn="ctr"/>
+            <a:endParaRPr lang="en-US"/>
+          </a:p>
+        </p:txBody>
+      </p:sp>
+      <p:grpSp>
+        <p:nvGrpSpPr>
+          <p:cNvPr id="19" name="Group 10">
+            <a:extLst>
+              <a:ext uri="{FF2B5EF4-FFF2-40B4-BE49-F238E27FC236}">
+                <a16:creationId xmlns:a16="http://schemas.microsoft.com/office/drawing/2014/main" id="{AE1C45F0-260A-458C-96ED-C1F6D2151219}"/>
+              </a:ext>
+              <a:ext uri="{C183D7F6-B498-43B3-948B-1728B52AA6E4}">
+                <adec:decorative xmlns:adec="http://schemas.microsoft.com/office/drawing/2017/decorative" val="1"/>
+              </a:ext>
+            </a:extLst>
+          </p:cNvPr>
+          <p:cNvGrpSpPr>
+            <a:grpSpLocks noGrp="1" noUngrp="1" noRot="1" noChangeAspect="1" noMove="1" noResize="1"/>
+          </p:cNvGrpSpPr>
+          <p:nvPr>
+            <p:extLst>
+              <p:ext uri="{386F3935-93C4-4BCD-93E2-E3B085C9AB24}">
+                <p16:designElem xmlns:p16="http://schemas.microsoft.com/office/powerpoint/2015/main" val="1"/>
+              </p:ext>
+            </p:extLst>
+          </p:nvPr>
+        </p:nvGrpSpPr>
+        <p:grpSpPr>
+          <a:xfrm>
+            <a:off x="4" y="1216597"/>
+            <a:ext cx="731521" cy="673460"/>
+            <a:chOff x="3940602" y="308034"/>
+            <a:chExt cx="2116791" cy="3428999"/>
+          </a:xfrm>
+          <a:solidFill>
+            <a:schemeClr val="accent4"/>
+          </a:solidFill>
+        </p:grpSpPr>
+        <p:sp>
+          <p:nvSpPr>
+            <p:cNvPr id="20" name="Rectangle 11">
+              <a:extLst>
+                <a:ext uri="{FF2B5EF4-FFF2-40B4-BE49-F238E27FC236}">
+                  <a16:creationId xmlns:a16="http://schemas.microsoft.com/office/drawing/2014/main" id="{A6604B49-AD5C-4590-B051-06C8222ECD99}"/>
+                </a:ext>
+                <a:ext uri="{C183D7F6-B498-43B3-948B-1728B52AA6E4}">
+                  <adec:decorative xmlns:adec="http://schemas.microsoft.com/office/drawing/2017/decorative" val="1"/>
+                </a:ext>
+              </a:extLst>
+            </p:cNvPr>
+            <p:cNvSpPr/>
+            <p:nvPr>
+              <p:extLst>
+                <p:ext uri="{386F3935-93C4-4BCD-93E2-E3B085C9AB24}">
+                  <p16:designElem xmlns:p16="http://schemas.microsoft.com/office/powerpoint/2015/main" val="1"/>
+                </p:ext>
+              </p:extLst>
+            </p:nvPr>
+          </p:nvSpPr>
+          <p:spPr>
+            <a:xfrm>
+              <a:off x="3940602" y="308034"/>
+              <a:ext cx="566743" cy="3428999"/>
+            </a:xfrm>
+            <a:prstGeom prst="rect">
+              <a:avLst/>
+            </a:prstGeom>
+            <a:grpFill/>
+            <a:ln>
+              <a:noFill/>
+            </a:ln>
+          </p:spPr>
+          <p:style>
+            <a:lnRef idx="2">
+              <a:schemeClr val="accent1">
+                <a:shade val="50000"/>
+              </a:schemeClr>
+            </a:lnRef>
+            <a:fillRef idx="1">
+              <a:schemeClr val="accent1"/>
+            </a:fillRef>
+            <a:effectRef idx="0">
+              <a:schemeClr val="accent1"/>
+            </a:effectRef>
+            <a:fontRef idx="minor">
+              <a:schemeClr val="lt1"/>
+            </a:fontRef>
+          </p:style>
+          <p:txBody>
+            <a:bodyPr rtlCol="0" anchor="ctr"/>
+            <a:lstStyle/>
+            <a:p>
+              <a:pPr algn="ctr"/>
+              <a:endParaRPr lang="en-US"/>
+            </a:p>
+          </p:txBody>
+        </p:sp>
+        <p:sp>
+          <p:nvSpPr>
+            <p:cNvPr id="21" name="Rectangle 12">
+              <a:extLst>
+                <a:ext uri="{FF2B5EF4-FFF2-40B4-BE49-F238E27FC236}">
+                  <a16:creationId xmlns:a16="http://schemas.microsoft.com/office/drawing/2014/main" id="{743ECCAF-29C5-4537-947C-7EA1292463DB}"/>
+                </a:ext>
+                <a:ext uri="{C183D7F6-B498-43B3-948B-1728B52AA6E4}">
+                  <adec:decorative xmlns:adec="http://schemas.microsoft.com/office/drawing/2017/decorative" val="1"/>
+                </a:ext>
+              </a:extLst>
+            </p:cNvPr>
+            <p:cNvSpPr/>
+            <p:nvPr>
+              <p:extLst>
+                <p:ext uri="{386F3935-93C4-4BCD-93E2-E3B085C9AB24}">
+                  <p16:designElem xmlns:p16="http://schemas.microsoft.com/office/powerpoint/2015/main" val="1"/>
+                </p:ext>
+              </p:extLst>
+            </p:nvPr>
+          </p:nvSpPr>
+          <p:spPr>
+            <a:xfrm>
+              <a:off x="4715626" y="308034"/>
+              <a:ext cx="566743" cy="3428999"/>
+            </a:xfrm>
+            <a:prstGeom prst="rect">
+              <a:avLst/>
+            </a:prstGeom>
+            <a:grpFill/>
+            <a:ln>
+              <a:noFill/>
+            </a:ln>
+          </p:spPr>
+          <p:style>
+            <a:lnRef idx="2">
+              <a:schemeClr val="accent1">
+                <a:shade val="50000"/>
+              </a:schemeClr>
+            </a:lnRef>
+            <a:fillRef idx="1">
+              <a:schemeClr val="accent1"/>
+            </a:fillRef>
+            <a:effectRef idx="0">
+              <a:schemeClr val="accent1"/>
+            </a:effectRef>
+            <a:fontRef idx="minor">
+              <a:schemeClr val="lt1"/>
+            </a:fontRef>
+          </p:style>
+          <p:txBody>
+            <a:bodyPr rtlCol="0" anchor="ctr"/>
+            <a:lstStyle/>
+            <a:p>
+              <a:pPr algn="ctr"/>
+              <a:endParaRPr lang="en-US"/>
+            </a:p>
+          </p:txBody>
+        </p:sp>
+        <p:sp>
+          <p:nvSpPr>
+            <p:cNvPr id="14" name="Rectangle 13">
+              <a:extLst>
+                <a:ext uri="{FF2B5EF4-FFF2-40B4-BE49-F238E27FC236}">
+                  <a16:creationId xmlns:a16="http://schemas.microsoft.com/office/drawing/2014/main" id="{ED49787B-8DE6-4467-AD0A-8DECC6E0C2D6}"/>
+                </a:ext>
+                <a:ext uri="{C183D7F6-B498-43B3-948B-1728B52AA6E4}">
+                  <adec:decorative xmlns:adec="http://schemas.microsoft.com/office/drawing/2017/decorative" val="1"/>
+                </a:ext>
+              </a:extLst>
+            </p:cNvPr>
+            <p:cNvSpPr/>
+            <p:nvPr>
+              <p:extLst>
+                <p:ext uri="{386F3935-93C4-4BCD-93E2-E3B085C9AB24}">
+                  <p16:designElem xmlns:p16="http://schemas.microsoft.com/office/powerpoint/2015/main" val="1"/>
+                </p:ext>
+              </p:extLst>
+            </p:nvPr>
+          </p:nvSpPr>
+          <p:spPr>
+            <a:xfrm>
+              <a:off x="5490650" y="308034"/>
+              <a:ext cx="566743" cy="3428999"/>
+            </a:xfrm>
+            <a:prstGeom prst="rect">
+              <a:avLst/>
+            </a:prstGeom>
+            <a:grpFill/>
+            <a:ln>
+              <a:noFill/>
+            </a:ln>
+          </p:spPr>
+          <p:style>
+            <a:lnRef idx="2">
+              <a:schemeClr val="accent1">
+                <a:shade val="50000"/>
+              </a:schemeClr>
+            </a:lnRef>
+            <a:fillRef idx="1">
+              <a:schemeClr val="accent1"/>
+            </a:fillRef>
+            <a:effectRef idx="0">
+              <a:schemeClr val="accent1"/>
+            </a:effectRef>
+            <a:fontRef idx="minor">
+              <a:schemeClr val="lt1"/>
+            </a:fontRef>
+          </p:style>
+          <p:txBody>
+            <a:bodyPr rtlCol="0" anchor="ctr"/>
+            <a:lstStyle/>
+            <a:p>
+              <a:pPr algn="ctr"/>
+              <a:endParaRPr lang="en-US"/>
+            </a:p>
+          </p:txBody>
+        </p:sp>
+      </p:grpSp>
+      <p:sp>
+        <p:nvSpPr>
+          <p:cNvPr id="16" name="Rectangle 15">
+            <a:extLst>
+              <a:ext uri="{FF2B5EF4-FFF2-40B4-BE49-F238E27FC236}">
+                <a16:creationId xmlns:a16="http://schemas.microsoft.com/office/drawing/2014/main" id="{D5B0017B-2ECA-49AF-B397-DC140825DF8D}"/>
+              </a:ext>
+              <a:ext uri="{C183D7F6-B498-43B3-948B-1728B52AA6E4}">
+                <adec:decorative xmlns:adec="http://schemas.microsoft.com/office/drawing/2017/decorative" val="1"/>
+              </a:ext>
+            </a:extLst>
+          </p:cNvPr>
+          <p:cNvSpPr>
+            <a:spLocks noGrp="1" noRot="1" noChangeAspect="1" noMove="1" noResize="1" noEditPoints="1" noAdjustHandles="1" noChangeArrowheads="1" noChangeShapeType="1" noTextEdit="1"/>
+          </p:cNvSpPr>
+          <p:nvPr>
+            <p:extLst>
+              <p:ext uri="{386F3935-93C4-4BCD-93E2-E3B085C9AB24}">
+                <p16:designElem xmlns:p16="http://schemas.microsoft.com/office/powerpoint/2015/main" val="1"/>
+              </p:ext>
+            </p:extLst>
+          </p:nvPr>
+        </p:nvSpPr>
+        <p:spPr>
+          <a:xfrm>
+            <a:off x="640079" y="613954"/>
+            <a:ext cx="10907487" cy="1894116"/>
+          </a:xfrm>
+          <a:prstGeom prst="rect">
+            <a:avLst/>
+          </a:prstGeom>
+          <a:solidFill>
+            <a:schemeClr val="bg1"/>
+          </a:solidFill>
+          <a:ln>
+            <a:noFill/>
+          </a:ln>
+          <a:effectLst>
+            <a:outerShdw blurRad="139700" dist="127000" dir="5400000" algn="t" rotWithShape="0">
+              <a:prstClr val="black">
+                <a:alpha val="15000"/>
+              </a:prstClr>
+            </a:outerShdw>
+          </a:effectLst>
+        </p:spPr>
+        <p:style>
+          <a:lnRef idx="2">
+            <a:schemeClr val="accent1">
+              <a:shade val="50000"/>
+            </a:schemeClr>
+          </a:lnRef>
+          <a:fillRef idx="1">
+            <a:schemeClr val="accent1"/>
+          </a:fillRef>
+          <a:effectRef idx="0">
+            <a:schemeClr val="accent1"/>
+          </a:effectRef>
+          <a:fontRef idx="minor">
+            <a:schemeClr val="lt1"/>
+          </a:fontRef>
+        </p:style>
+        <p:txBody>
+          <a:bodyPr rtlCol="0" anchor="ctr"/>
+          <a:lstStyle/>
+          <a:p>
+            <a:pPr algn="ctr"/>
+            <a:endParaRPr lang="en-US"/>
+          </a:p>
+        </p:txBody>
+      </p:sp>
+      <p:sp>
+        <p:nvSpPr>
+          <p:cNvPr id="2" name="Title 1">
+            <a:extLst>
+              <a:ext uri="{FF2B5EF4-FFF2-40B4-BE49-F238E27FC236}">
+                <a16:creationId xmlns:a16="http://schemas.microsoft.com/office/drawing/2014/main" id="{7273F131-EB92-46B6-B83D-8DA5617DB186}"/>
+              </a:ext>
+            </a:extLst>
+          </p:cNvPr>
+          <p:cNvSpPr>
+            <a:spLocks noGrp="1"/>
+          </p:cNvSpPr>
+          <p:nvPr>
+            <p:ph type="title"/>
+          </p:nvPr>
+        </p:nvSpPr>
+        <p:spPr>
+          <a:xfrm>
+            <a:off x="1043631" y="809898"/>
+            <a:ext cx="9942716" cy="1554480"/>
+          </a:xfrm>
+        </p:spPr>
+        <p:txBody>
+          <a:bodyPr anchor="ctr">
+            <a:normAutofit/>
+          </a:bodyPr>
+          <a:lstStyle/>
+          <a:p>
+            <a:r>
+              <a:rPr lang="en-US" sz="4800"/>
+              <a:t>Up Next</a:t>
+            </a:r>
+          </a:p>
+        </p:txBody>
+      </p:sp>
+      <p:sp>
+        <p:nvSpPr>
+          <p:cNvPr id="3" name="Content Placeholder 2">
+            <a:extLst>
+              <a:ext uri="{FF2B5EF4-FFF2-40B4-BE49-F238E27FC236}">
+                <a16:creationId xmlns:a16="http://schemas.microsoft.com/office/drawing/2014/main" id="{8680647D-93EA-40F4-A0F8-E1B1A1DE051E}"/>
+              </a:ext>
+            </a:extLst>
+          </p:cNvPr>
+          <p:cNvSpPr>
+            <a:spLocks noGrp="1"/>
+          </p:cNvSpPr>
+          <p:nvPr>
+            <p:ph idx="1"/>
+          </p:nvPr>
+        </p:nvSpPr>
+        <p:spPr>
+          <a:xfrm>
+            <a:off x="1045028" y="3017522"/>
+            <a:ext cx="9941319" cy="3124658"/>
+          </a:xfrm>
+        </p:spPr>
+        <p:txBody>
+          <a:bodyPr anchor="ctr">
+            <a:normAutofit/>
+          </a:bodyPr>
+          <a:lstStyle/>
+          <a:p>
+            <a:r>
+              <a:rPr lang="en-US" sz="2400"/>
+              <a:t>Discussion Case #3 (Sunday)</a:t>
+            </a:r>
+          </a:p>
+          <a:p>
+            <a:r>
+              <a:rPr lang="en-US" sz="2400"/>
+              <a:t>Week 4 Quiz (Sunday)</a:t>
+            </a:r>
+          </a:p>
+          <a:p>
+            <a:r>
+              <a:rPr lang="en-US" sz="2400"/>
+              <a:t>Assignment 3.5 (Sunday)</a:t>
+            </a:r>
+          </a:p>
+        </p:txBody>
+      </p:sp>
+      <p:cxnSp>
+        <p:nvCxnSpPr>
+          <p:cNvPr id="18" name="Straight Connector 17">
+            <a:extLst>
+              <a:ext uri="{FF2B5EF4-FFF2-40B4-BE49-F238E27FC236}">
+                <a16:creationId xmlns:a16="http://schemas.microsoft.com/office/drawing/2014/main" id="{6CF1BAF6-AD41-4082-B212-8A1F9A2E8779}"/>
+              </a:ext>
+              <a:ext uri="{C183D7F6-B498-43B3-948B-1728B52AA6E4}">
+                <adec:decorative xmlns:adec="http://schemas.microsoft.com/office/drawing/2017/decorative" val="1"/>
+              </a:ext>
+            </a:extLst>
+          </p:cNvPr>
+          <p:cNvCxnSpPr>
+            <a:cxnSpLocks noGrp="1" noRot="1" noChangeAspect="1" noMove="1" noResize="1" noEditPoints="1" noAdjustHandles="1" noChangeArrowheads="1" noChangeShapeType="1"/>
+          </p:cNvCxnSpPr>
+          <p:nvPr>
+            <p:extLst>
+              <p:ext uri="{386F3935-93C4-4BCD-93E2-E3B085C9AB24}">
+                <p16:designElem xmlns:p16="http://schemas.microsoft.com/office/powerpoint/2015/main" val="1"/>
+              </p:ext>
+            </p:extLst>
+          </p:nvPr>
+        </p:nvCxnSpPr>
+        <p:spPr>
+          <a:xfrm flipH="1">
+            <a:off x="838200" y="6485313"/>
+            <a:ext cx="10515600" cy="0"/>
+          </a:xfrm>
+          <a:prstGeom prst="line">
+            <a:avLst/>
+          </a:prstGeom>
+          <a:ln w="57150">
+            <a:solidFill>
+              <a:schemeClr val="accent4"/>
+            </a:solidFill>
+          </a:ln>
+        </p:spPr>
+        <p:style>
+          <a:lnRef idx="1">
+            <a:schemeClr val="accent1"/>
+          </a:lnRef>
+          <a:fillRef idx="0">
+            <a:schemeClr val="accent1"/>
+          </a:fillRef>
+          <a:effectRef idx="0">
+            <a:schemeClr val="accent1"/>
+          </a:effectRef>
+          <a:fontRef idx="minor">
+            <a:schemeClr val="tx1"/>
+          </a:fontRef>
+        </p:style>
+      </p:cxnSp>
+      <p:sp>
+        <p:nvSpPr>
+          <p:cNvPr id="4" name="Footer Placeholder 3">
+            <a:extLst>
+              <a:ext uri="{FF2B5EF4-FFF2-40B4-BE49-F238E27FC236}">
+                <a16:creationId xmlns:a16="http://schemas.microsoft.com/office/drawing/2014/main" id="{FC6564BE-C299-48CF-8543-0BB5184FF4E9}"/>
+              </a:ext>
+            </a:extLst>
+          </p:cNvPr>
+          <p:cNvSpPr>
+            <a:spLocks noGrp="1"/>
+          </p:cNvSpPr>
+          <p:nvPr>
+            <p:ph type="ftr" sz="quarter" idx="11"/>
+          </p:nvPr>
+        </p:nvSpPr>
+        <p:spPr>
+          <a:xfrm>
+            <a:off x="4038600" y="6492240"/>
+            <a:ext cx="4114800" cy="365125"/>
+          </a:xfrm>
+        </p:spPr>
+        <p:txBody>
+          <a:bodyPr>
+            <a:normAutofit/>
+          </a:bodyPr>
+          <a:lstStyle/>
+          <a:p>
+            <a:pPr>
+              <a:spcAft>
+                <a:spcPts val="600"/>
+              </a:spcAft>
+            </a:pPr>
+            <a:r>
+              <a:rPr lang="en-US"/>
+              <a:t>Mike Nguyen</a:t>
+            </a:r>
+          </a:p>
+        </p:txBody>
+      </p:sp>
+    </p:spTree>
+    <p:extLst>
+      <p:ext uri="{BB962C8B-B14F-4D97-AF65-F5344CB8AC3E}">
+        <p14:creationId xmlns:p14="http://schemas.microsoft.com/office/powerpoint/2010/main" val="2189516963"/>
+      </p:ext>
+    </p:extLst>
+  </p:cSld>
+  <p:clrMapOvr>
+    <a:masterClrMapping/>
+  </p:clrMapOvr>
+</p:sld>
+</file>
+
+<file path=ppt/slides/slide38.xml><?xml version="1.0" encoding="utf-8"?>
 <p:sld xmlns:a="http://schemas.openxmlformats.org/drawingml/2006/main" xmlns:r="http://schemas.openxmlformats.org/officeDocument/2006/relationships" xmlns:p="http://schemas.openxmlformats.org/presentationml/2006/main">
   <p:cSld>
     <p:bg>
@@ -43121,11 +44766,12 @@
 </file>
 
 <file path=customXml/item1.xml><?xml version="1.0" encoding="utf-8"?>
-<p:properties xmlns:p="http://schemas.microsoft.com/office/2006/metadata/properties" xmlns:xsi="http://www.w3.org/2001/XMLSchema-instance" xmlns:pc="http://schemas.microsoft.com/office/infopath/2007/PartnerControls">
-  <documentManagement>
-    <MediaServiceKeyPoints xmlns="71af3243-3dd4-4a8d-8c0d-dd76da1f02a5" xsi:nil="true"/>
-  </documentManagement>
-</p:properties>
+<?mso-contentType ?>
+<FormTemplates xmlns="http://schemas.microsoft.com/sharepoint/v3/contenttype/forms">
+  <Display>DocumentLibraryForm</Display>
+  <Edit>DocumentLibraryForm</Edit>
+  <New>DocumentLibraryForm</New>
+</FormTemplates>
 </file>
 
 <file path=customXml/item2.xml><?xml version="1.0" encoding="utf-8"?>
@@ -43340,20 +44986,17 @@
 </file>
 
 <file path=customXml/item3.xml><?xml version="1.0" encoding="utf-8"?>
-<?mso-contentType ?>
-<FormTemplates xmlns="http://schemas.microsoft.com/sharepoint/v3/contenttype/forms">
-  <Display>DocumentLibraryForm</Display>
-  <Edit>DocumentLibraryForm</Edit>
-  <New>DocumentLibraryForm</New>
-</FormTemplates>
+<p:properties xmlns:p="http://schemas.microsoft.com/office/2006/metadata/properties" xmlns:xsi="http://www.w3.org/2001/XMLSchema-instance" xmlns:pc="http://schemas.microsoft.com/office/infopath/2007/PartnerControls">
+  <documentManagement>
+    <MediaServiceKeyPoints xmlns="71af3243-3dd4-4a8d-8c0d-dd76da1f02a5" xsi:nil="true"/>
+  </documentManagement>
+</p:properties>
 </file>
 
 <file path=customXml/itemProps1.xml><?xml version="1.0" encoding="utf-8"?>
-<ds:datastoreItem xmlns:ds="http://schemas.openxmlformats.org/officeDocument/2006/customXml" ds:itemID="{03C7D9E6-B0D9-433E-BD46-EB60F64F4DA8}">
+<ds:datastoreItem xmlns:ds="http://schemas.openxmlformats.org/officeDocument/2006/customXml" ds:itemID="{5CA875DA-F9FD-4F83-A049-3B1027B542DE}">
   <ds:schemaRefs>
-    <ds:schemaRef ds:uri="http://schemas.microsoft.com/office/2006/metadata/properties"/>
-    <ds:schemaRef ds:uri="http://schemas.microsoft.com/office/infopath/2007/PartnerControls"/>
-    <ds:schemaRef ds:uri="71af3243-3dd4-4a8d-8c0d-dd76da1f02a5"/>
+    <ds:schemaRef ds:uri="http://schemas.microsoft.com/sharepoint/v3/contenttype/forms"/>
   </ds:schemaRefs>
 </ds:datastoreItem>
 </file>
@@ -43378,9 +45021,11 @@
 </file>
 
 <file path=customXml/itemProps3.xml><?xml version="1.0" encoding="utf-8"?>
-<ds:datastoreItem xmlns:ds="http://schemas.openxmlformats.org/officeDocument/2006/customXml" ds:itemID="{5CA875DA-F9FD-4F83-A049-3B1027B542DE}">
+<ds:datastoreItem xmlns:ds="http://schemas.openxmlformats.org/officeDocument/2006/customXml" ds:itemID="{03C7D9E6-B0D9-433E-BD46-EB60F64F4DA8}">
   <ds:schemaRefs>
-    <ds:schemaRef ds:uri="http://schemas.microsoft.com/sharepoint/v3/contenttype/forms"/>
+    <ds:schemaRef ds:uri="http://schemas.microsoft.com/office/2006/metadata/properties"/>
+    <ds:schemaRef ds:uri="http://schemas.microsoft.com/office/infopath/2007/PartnerControls"/>
+    <ds:schemaRef ds:uri="71af3243-3dd4-4a8d-8c0d-dd76da1f02a5"/>
   </ds:schemaRefs>
 </ds:datastoreItem>
 </file>
--- a/lectures/4/1_External Secondary Data_Causal Research.pptx
+++ b/lectures/4/1_External Secondary Data_Causal Research.pptx
@@ -44766,15 +44766,6 @@
 </file>
 
 <file path=customXml/item1.xml><?xml version="1.0" encoding="utf-8"?>
-<?mso-contentType ?>
-<FormTemplates xmlns="http://schemas.microsoft.com/sharepoint/v3/contenttype/forms">
-  <Display>DocumentLibraryForm</Display>
-  <Edit>DocumentLibraryForm</Edit>
-  <New>DocumentLibraryForm</New>
-</FormTemplates>
-</file>
-
-<file path=customXml/item2.xml><?xml version="1.0" encoding="utf-8"?>
 <ct:contentTypeSchema xmlns:ct="http://schemas.microsoft.com/office/2006/metadata/contentType" xmlns:ma="http://schemas.microsoft.com/office/2006/metadata/properties/metaAttributes" ct:_="" ma:_="" ma:contentTypeName="Document" ma:contentTypeID="0x01010079F111ED35F8CC479449609E8A0923A6" ma:contentTypeVersion="11" ma:contentTypeDescription="Create a new document." ma:contentTypeScope="" ma:versionID="96291512c1ee715ab617f4c07df79fc1">
   <xsd:schema xmlns:xsd="http://www.w3.org/2001/XMLSchema" xmlns:xs="http://www.w3.org/2001/XMLSchema" xmlns:p="http://schemas.microsoft.com/office/2006/metadata/properties" xmlns:ns2="71af3243-3dd4-4a8d-8c0d-dd76da1f02a5" xmlns:ns3="16c05727-aa75-4e4a-9b5f-8a80a1165891" targetNamespace="http://schemas.microsoft.com/office/2006/metadata/properties" ma:root="true" ma:fieldsID="8256c27c40ca5c40ce1cf6c44f0205df" ns2:_="" ns3:_="">
     <xsd:import namespace="71af3243-3dd4-4a8d-8c0d-dd76da1f02a5"/>
@@ -44985,6 +44976,15 @@
 </ct:contentTypeSchema>
 </file>
 
+<file path=customXml/item2.xml><?xml version="1.0" encoding="utf-8"?>
+<?mso-contentType ?>
+<FormTemplates xmlns="http://schemas.microsoft.com/sharepoint/v3/contenttype/forms">
+  <Display>DocumentLibraryForm</Display>
+  <Edit>DocumentLibraryForm</Edit>
+  <New>DocumentLibraryForm</New>
+</FormTemplates>
+</file>
+
 <file path=customXml/item3.xml><?xml version="1.0" encoding="utf-8"?>
 <p:properties xmlns:p="http://schemas.microsoft.com/office/2006/metadata/properties" xmlns:xsi="http://www.w3.org/2001/XMLSchema-instance" xmlns:pc="http://schemas.microsoft.com/office/infopath/2007/PartnerControls">
   <documentManagement>
@@ -44994,14 +44994,6 @@
 </file>
 
 <file path=customXml/itemProps1.xml><?xml version="1.0" encoding="utf-8"?>
-<ds:datastoreItem xmlns:ds="http://schemas.openxmlformats.org/officeDocument/2006/customXml" ds:itemID="{5CA875DA-F9FD-4F83-A049-3B1027B542DE}">
-  <ds:schemaRefs>
-    <ds:schemaRef ds:uri="http://schemas.microsoft.com/sharepoint/v3/contenttype/forms"/>
-  </ds:schemaRefs>
-</ds:datastoreItem>
-</file>
-
-<file path=customXml/itemProps2.xml><?xml version="1.0" encoding="utf-8"?>
 <ds:datastoreItem xmlns:ds="http://schemas.openxmlformats.org/officeDocument/2006/customXml" ds:itemID="{B2AB02E3-5ADF-4BF0-9C1B-35CDF3FE95B0}">
   <ds:schemaRefs>
     <ds:schemaRef ds:uri="http://schemas.microsoft.com/office/2006/metadata/contentType"/>
@@ -45020,6 +45012,14 @@
 </ds:datastoreItem>
 </file>
 
+<file path=customXml/itemProps2.xml><?xml version="1.0" encoding="utf-8"?>
+<ds:datastoreItem xmlns:ds="http://schemas.openxmlformats.org/officeDocument/2006/customXml" ds:itemID="{5CA875DA-F9FD-4F83-A049-3B1027B542DE}">
+  <ds:schemaRefs>
+    <ds:schemaRef ds:uri="http://schemas.microsoft.com/sharepoint/v3/contenttype/forms"/>
+  </ds:schemaRefs>
+</ds:datastoreItem>
+</file>
+
 <file path=customXml/itemProps3.xml><?xml version="1.0" encoding="utf-8"?>
 <ds:datastoreItem xmlns:ds="http://schemas.openxmlformats.org/officeDocument/2006/customXml" ds:itemID="{03C7D9E6-B0D9-433E-BD46-EB60F64F4DA8}">
   <ds:schemaRefs>
